--- a/materiais/Apresentação1.pptx
+++ b/materiais/Apresentação1.pptx
@@ -9,7 +9,6 @@
     <p:sldId id="257" r:id="rId3"/>
     <p:sldId id="258" r:id="rId4"/>
     <p:sldId id="259" r:id="rId5"/>
-    <p:sldId id="260" r:id="rId6"/>
   </p:sldIdLst>
   <p:sldSz cx="12192000" cy="6858000"/>
   <p:notesSz cx="6858000" cy="9144000"/>
@@ -108,6 +107,11 @@
       </a:defRPr>
     </a:lvl9pPr>
   </p:defaultTextStyle>
+  <p:extLst>
+    <p:ext uri="{EFAFB233-063F-42B5-8137-9DF3F51BA10A}">
+      <p15:sldGuideLst xmlns:p15="http://schemas.microsoft.com/office/powerpoint/2012/main"/>
+    </p:ext>
+  </p:extLst>
 </p:presentation>
 </file>
 
@@ -2415,9 +2419,12 @@
 <p:sldMaster xmlns:a="http://schemas.openxmlformats.org/drawingml/2006/main" xmlns:r="http://schemas.openxmlformats.org/officeDocument/2006/relationships" xmlns:p="http://schemas.openxmlformats.org/presentationml/2006/main">
   <p:cSld>
     <p:bg>
-      <p:bgRef idx="1001">
-        <a:schemeClr val="bg1"/>
-      </p:bgRef>
+      <p:bgPr>
+        <a:solidFill>
+          <a:srgbClr val="EAFFFF"/>
+        </a:solidFill>
+        <a:effectLst/>
+      </p:bgPr>
     </p:bg>
     <p:spTree>
       <p:nvGrpSpPr>
@@ -2968,47 +2975,9 @@
           <a:chExt cx="0" cy="0"/>
         </a:xfrm>
       </p:grpSpPr>
-      <p:sp>
-        <p:nvSpPr>
-          <p:cNvPr id="2" name="Título 1"/>
-          <p:cNvSpPr>
-            <a:spLocks noGrp="1"/>
-          </p:cNvSpPr>
-          <p:nvPr>
-            <p:ph type="ctrTitle"/>
-          </p:nvPr>
-        </p:nvSpPr>
-        <p:spPr/>
-        <p:txBody>
-          <a:bodyPr/>
-          <a:lstStyle/>
-          <a:p>
-            <a:endParaRPr lang="pt-BR" dirty="0"/>
-          </a:p>
-        </p:txBody>
-      </p:sp>
-      <p:sp>
-        <p:nvSpPr>
-          <p:cNvPr id="3" name="Subtítulo 2"/>
-          <p:cNvSpPr>
-            <a:spLocks noGrp="1"/>
-          </p:cNvSpPr>
-          <p:nvPr>
-            <p:ph type="subTitle" idx="1"/>
-          </p:nvPr>
-        </p:nvSpPr>
-        <p:spPr/>
-        <p:txBody>
-          <a:bodyPr/>
-          <a:lstStyle/>
-          <a:p>
-            <a:endParaRPr lang="pt-BR"/>
-          </a:p>
-        </p:txBody>
-      </p:sp>
       <p:pic>
         <p:nvPicPr>
-          <p:cNvPr id="4" name="Imagem 3"/>
+          <p:cNvPr id="6" name="Imagem 5"/>
           <p:cNvPicPr>
             <a:picLocks noChangeAspect="1"/>
           </p:cNvPicPr>
@@ -3028,8 +2997,8 @@
         </p:blipFill>
         <p:spPr>
           <a:xfrm>
-            <a:off x="2546895" y="0"/>
-            <a:ext cx="7098210" cy="6858000"/>
+            <a:off x="3608254" y="1018451"/>
+            <a:ext cx="4978389" cy="4809915"/>
           </a:xfrm>
           <a:prstGeom prst="rect">
             <a:avLst/>
@@ -3109,54 +3078,62 @@
         <p:spPr/>
         <p:txBody>
           <a:bodyPr>
-            <a:normAutofit lnSpcReduction="10000"/>
+            <a:normAutofit/>
           </a:bodyPr>
           <a:lstStyle/>
           <a:p>
-            <a:r>
-              <a:rPr lang="pt-BR" dirty="0" smtClean="0"/>
+            <a:pPr>
+              <a:lnSpc>
+                <a:spcPts val="2640"/>
+              </a:lnSpc>
+            </a:pPr>
+            <a:r>
+              <a:rPr lang="pt-BR" sz="2400" dirty="0" smtClean="0"/>
               <a:t>Cleybson Cardoso Leite – Desenvolvedor</a:t>
             </a:r>
           </a:p>
           <a:p>
-            <a:r>
-              <a:rPr lang="pt-BR" dirty="0" smtClean="0"/>
-              <a:t>Gabriel Reis Miranda – </a:t>
-            </a:r>
-            <a:r>
-              <a:rPr lang="pt-BR" dirty="0" smtClean="0"/>
-              <a:t>Desenvolvedor</a:t>
-            </a:r>
-            <a:endParaRPr lang="pt-BR" dirty="0"/>
-          </a:p>
-          <a:p>
-            <a:r>
-              <a:rPr lang="pt-BR" dirty="0" err="1" smtClean="0"/>
+            <a:pPr>
+              <a:lnSpc>
+                <a:spcPts val="2640"/>
+              </a:lnSpc>
+            </a:pPr>
+            <a:r>
+              <a:rPr lang="pt-BR" sz="2400" dirty="0" smtClean="0"/>
+              <a:t>Gabriel Reis Miranda – Desenvolvedor</a:t>
+            </a:r>
+            <a:endParaRPr lang="pt-BR" sz="2400" dirty="0"/>
+          </a:p>
+          <a:p>
+            <a:pPr>
+              <a:lnSpc>
+                <a:spcPts val="2640"/>
+              </a:lnSpc>
+            </a:pPr>
+            <a:r>
+              <a:rPr lang="pt-BR" sz="2400" dirty="0" err="1" smtClean="0"/>
               <a:t>Ícaro</a:t>
             </a:r>
             <a:r>
-              <a:rPr lang="pt-BR" dirty="0" smtClean="0"/>
+              <a:rPr lang="pt-BR" sz="2400" dirty="0" smtClean="0"/>
               <a:t> Cardoso Rios – Desenvolvedor </a:t>
             </a:r>
           </a:p>
           <a:p>
-            <a:r>
-              <a:rPr lang="pt-BR" dirty="0" smtClean="0"/>
-              <a:t>José Ricardo Nogueira Magalhães - Designer e </a:t>
-            </a:r>
-            <a:r>
-              <a:rPr lang="pt-BR" dirty="0" smtClean="0"/>
-              <a:t>desenvolvedor </a:t>
-            </a:r>
-            <a:r>
-              <a:rPr lang="pt-BR" dirty="0" smtClean="0"/>
-              <a:t>front-</a:t>
-            </a:r>
-            <a:r>
-              <a:rPr lang="pt-BR" dirty="0" err="1" smtClean="0"/>
+            <a:pPr>
+              <a:lnSpc>
+                <a:spcPts val="2640"/>
+              </a:lnSpc>
+            </a:pPr>
+            <a:r>
+              <a:rPr lang="pt-BR" sz="2400" dirty="0" smtClean="0"/>
+              <a:t>José Ricardo Nogueira Magalhães - Designer e desenvolvedor front-</a:t>
+            </a:r>
+            <a:r>
+              <a:rPr lang="pt-BR" sz="2400" dirty="0" err="1" smtClean="0"/>
               <a:t>end</a:t>
             </a:r>
-            <a:endParaRPr lang="pt-BR" dirty="0" smtClean="0"/>
+            <a:endParaRPr lang="pt-BR" sz="2400" dirty="0" smtClean="0"/>
           </a:p>
           <a:p>
             <a:pPr marL="0" indent="0">
@@ -3174,6 +3151,12 @@
             <a:pPr marL="0" indent="0">
               <a:buNone/>
             </a:pPr>
+            <a:endParaRPr lang="pt-BR" dirty="0" smtClean="0"/>
+          </a:p>
+          <a:p>
+            <a:pPr marL="0" indent="0">
+              <a:buNone/>
+            </a:pPr>
             <a:endParaRPr lang="pt-BR" dirty="0"/>
           </a:p>
           <a:p>
@@ -3181,7 +3164,7 @@
               <a:buNone/>
             </a:pPr>
             <a:r>
-              <a:rPr lang="pt-BR" dirty="0" smtClean="0"/>
+              <a:rPr lang="pt-BR" sz="2400" dirty="0" smtClean="0"/>
               <a:t>Portfolio disponível em: http://binarii.com.br/</a:t>
             </a:r>
           </a:p>
@@ -3260,21 +3243,43 @@
         <p:spPr/>
         <p:txBody>
           <a:bodyPr>
-            <a:normAutofit lnSpcReduction="10000"/>
+            <a:normAutofit/>
           </a:bodyPr>
           <a:lstStyle/>
           <a:p>
-            <a:r>
-              <a:rPr lang="pt-BR" dirty="0" smtClean="0"/>
-              <a:t>Objetivo: tornar o processo de seleção de candidatos para entrevista mais eficaz criando uma aplicação de fácil utilização para os usuários. Melhorando a experiência de usuário tanto para o empregador quanto para o candidato.</a:t>
-            </a:r>
-          </a:p>
-          <a:p>
-            <a:r>
-              <a:rPr lang="pt-BR" dirty="0" smtClean="0"/>
+            <a:pPr algn="just">
+              <a:lnSpc>
+                <a:spcPts val="2640"/>
+              </a:lnSpc>
+            </a:pPr>
+            <a:r>
+              <a:rPr lang="pt-BR" sz="2400" dirty="0" smtClean="0"/>
+              <a:t>Objetivo: tornar o processo de seleção de candidatos para entrevista mais eficaz criando uma aplicação de fácil utilização para os usuários. Melhorando a experiência de usuário tanto para o empregador quanto para o candidato</a:t>
+            </a:r>
+            <a:r>
+              <a:rPr lang="pt-BR" sz="2400" dirty="0" smtClean="0"/>
+              <a:t>.</a:t>
+            </a:r>
+          </a:p>
+          <a:p>
+            <a:pPr algn="just">
+              <a:lnSpc>
+                <a:spcPts val="2640"/>
+              </a:lnSpc>
+            </a:pPr>
+            <a:endParaRPr lang="pt-BR" sz="2400" dirty="0" smtClean="0"/>
+          </a:p>
+          <a:p>
+            <a:pPr algn="just">
+              <a:lnSpc>
+                <a:spcPts val="2640"/>
+              </a:lnSpc>
+            </a:pPr>
+            <a:r>
+              <a:rPr lang="pt-BR" sz="2400" dirty="0" smtClean="0"/>
               <a:t>Conceito: Para que a vaga de emprego seja preenchida, é necessário que o candidato a mesma contenha as competências necessárias para o trabalho. Então, não deve ser permitido a indicação de um trabalhador para uma entrevista que ele não tem chances de passar. O  aplicativo Bahia Empregos, visa otimizar o contato de candidatos e empresas para a criação de vínculos empregatícios de forma fácil, ágil e eficiente.</a:t>
             </a:r>
-            <a:endParaRPr lang="pt-BR" dirty="0"/>
+            <a:endParaRPr lang="pt-BR" sz="2400" dirty="0"/>
           </a:p>
         </p:txBody>
       </p:sp>
@@ -3348,36 +3353,64 @@
             <p:ph idx="1"/>
           </p:nvPr>
         </p:nvSpPr>
-        <p:spPr/>
-        <p:txBody>
-          <a:bodyPr/>
-          <a:lstStyle/>
-          <a:p>
-            <a:pPr marL="0" indent="0">
+        <p:spPr>
+          <a:xfrm>
+            <a:off x="838200" y="1825625"/>
+            <a:ext cx="10363200" cy="4351338"/>
+          </a:xfrm>
+        </p:spPr>
+        <p:txBody>
+          <a:bodyPr/>
+          <a:lstStyle/>
+          <a:p>
+            <a:pPr marL="0" indent="0" algn="just">
+              <a:lnSpc>
+                <a:spcPts val="2880"/>
+              </a:lnSpc>
               <a:buNone/>
             </a:pPr>
             <a:r>
-              <a:rPr lang="pt-BR" dirty="0" smtClean="0"/>
+              <a:rPr lang="pt-BR" sz="2400" dirty="0" smtClean="0"/>
               <a:t>Recursos utilizados para o desenvolvimento.</a:t>
             </a:r>
           </a:p>
           <a:p>
-            <a:pPr lvl="1"/>
+            <a:pPr lvl="1" algn="just">
+              <a:lnSpc>
+                <a:spcPts val="2880"/>
+              </a:lnSpc>
+            </a:pPr>
             <a:r>
               <a:rPr lang="pt-BR" dirty="0" smtClean="0"/>
               <a:t>IONIC 3</a:t>
             </a:r>
           </a:p>
           <a:p>
-            <a:pPr lvl="1"/>
+            <a:pPr lvl="1" algn="just">
+              <a:lnSpc>
+                <a:spcPts val="2880"/>
+              </a:lnSpc>
+            </a:pPr>
             <a:r>
               <a:rPr lang="pt-BR" dirty="0" err="1" smtClean="0"/>
               <a:t>Firebase</a:t>
             </a:r>
+            <a:endParaRPr lang="pt-BR" dirty="0" smtClean="0"/>
+          </a:p>
+          <a:p>
+            <a:pPr marL="457200" lvl="1" indent="0" algn="just">
+              <a:lnSpc>
+                <a:spcPts val="2880"/>
+              </a:lnSpc>
+              <a:buNone/>
+            </a:pPr>
             <a:endParaRPr lang="pt-BR" dirty="0"/>
           </a:p>
           <a:p>
-            <a:pPr marL="0" lvl="1" indent="0">
+            <a:pPr marL="0" lvl="1" indent="0" algn="just">
+              <a:lnSpc>
+                <a:spcPts val="2880"/>
+              </a:lnSpc>
               <a:buNone/>
             </a:pPr>
             <a:r>
@@ -3445,82 +3478,6 @@
       </p:par>
     </p:tnLst>
   </p:timing>
-</p:sld>
-</file>
-
-<file path=ppt/slides/slide5.xml><?xml version="1.0" encoding="utf-8"?>
-<p:sld xmlns:a="http://schemas.openxmlformats.org/drawingml/2006/main" xmlns:r="http://schemas.openxmlformats.org/officeDocument/2006/relationships" xmlns:p="http://schemas.openxmlformats.org/presentationml/2006/main">
-  <p:cSld>
-    <p:spTree>
-      <p:nvGrpSpPr>
-        <p:cNvPr id="1" name=""/>
-        <p:cNvGrpSpPr/>
-        <p:nvPr/>
-      </p:nvGrpSpPr>
-      <p:grpSpPr>
-        <a:xfrm>
-          <a:off x="0" y="0"/>
-          <a:ext cx="0" cy="0"/>
-          <a:chOff x="0" y="0"/>
-          <a:chExt cx="0" cy="0"/>
-        </a:xfrm>
-      </p:grpSpPr>
-      <p:sp>
-        <p:nvSpPr>
-          <p:cNvPr id="2" name="Título 1"/>
-          <p:cNvSpPr>
-            <a:spLocks noGrp="1"/>
-          </p:cNvSpPr>
-          <p:nvPr>
-            <p:ph type="title"/>
-          </p:nvPr>
-        </p:nvSpPr>
-        <p:spPr/>
-        <p:txBody>
-          <a:bodyPr/>
-          <a:lstStyle/>
-          <a:p>
-            <a:r>
-              <a:rPr lang="pt-BR" dirty="0" smtClean="0"/>
-              <a:t>Equipe</a:t>
-            </a:r>
-            <a:endParaRPr lang="pt-BR" dirty="0"/>
-          </a:p>
-        </p:txBody>
-      </p:sp>
-      <p:sp>
-        <p:nvSpPr>
-          <p:cNvPr id="3" name="Espaço Reservado para Conteúdo 2"/>
-          <p:cNvSpPr>
-            <a:spLocks noGrp="1"/>
-          </p:cNvSpPr>
-          <p:nvPr>
-            <p:ph idx="1"/>
-          </p:nvPr>
-        </p:nvSpPr>
-        <p:spPr/>
-        <p:txBody>
-          <a:bodyPr/>
-          <a:lstStyle/>
-          <a:p>
-            <a:r>
-              <a:rPr lang="pt-BR" dirty="0" smtClean="0"/>
-              <a:t>Cleybson Cardoso Leite – </a:t>
-            </a:r>
-            <a:endParaRPr lang="pt-BR" dirty="0"/>
-          </a:p>
-        </p:txBody>
-      </p:sp>
-    </p:spTree>
-    <p:extLst>
-      <p:ext uri="{BB962C8B-B14F-4D97-AF65-F5344CB8AC3E}">
-        <p14:creationId xmlns:p14="http://schemas.microsoft.com/office/powerpoint/2010/main" val="601746881"/>
-      </p:ext>
-    </p:extLst>
-  </p:cSld>
-  <p:clrMapOvr>
-    <a:masterClrMapping/>
-  </p:clrMapOvr>
 </p:sld>
 </file>
 

--- a/materiais/Apresentação1.pptx
+++ b/materiais/Apresentação1.pptx
@@ -9,6 +9,7 @@
     <p:sldId id="257" r:id="rId3"/>
     <p:sldId id="258" r:id="rId4"/>
     <p:sldId id="259" r:id="rId5"/>
+    <p:sldId id="260" r:id="rId6"/>
   </p:sldIdLst>
   <p:sldSz cx="12192000" cy="6858000"/>
   <p:notesSz cx="6858000" cy="9144000"/>
@@ -246,7 +247,7 @@
           <a:p>
             <a:fld id="{5A04FDF9-363C-4322-AB05-5048FAC1E7CA}" type="datetimeFigureOut">
               <a:rPr lang="pt-BR" smtClean="0"/>
-              <a:t>10/08/2017</a:t>
+              <a:t>11/08/2017</a:t>
             </a:fld>
             <a:endParaRPr lang="pt-BR"/>
           </a:p>
@@ -416,7 +417,7 @@
           <a:p>
             <a:fld id="{5A04FDF9-363C-4322-AB05-5048FAC1E7CA}" type="datetimeFigureOut">
               <a:rPr lang="pt-BR" smtClean="0"/>
-              <a:t>10/08/2017</a:t>
+              <a:t>11/08/2017</a:t>
             </a:fld>
             <a:endParaRPr lang="pt-BR"/>
           </a:p>
@@ -596,7 +597,7 @@
           <a:p>
             <a:fld id="{5A04FDF9-363C-4322-AB05-5048FAC1E7CA}" type="datetimeFigureOut">
               <a:rPr lang="pt-BR" smtClean="0"/>
-              <a:t>10/08/2017</a:t>
+              <a:t>11/08/2017</a:t>
             </a:fld>
             <a:endParaRPr lang="pt-BR"/>
           </a:p>
@@ -766,7 +767,7 @@
           <a:p>
             <a:fld id="{5A04FDF9-363C-4322-AB05-5048FAC1E7CA}" type="datetimeFigureOut">
               <a:rPr lang="pt-BR" smtClean="0"/>
-              <a:t>10/08/2017</a:t>
+              <a:t>11/08/2017</a:t>
             </a:fld>
             <a:endParaRPr lang="pt-BR"/>
           </a:p>
@@ -1012,7 +1013,7 @@
           <a:p>
             <a:fld id="{5A04FDF9-363C-4322-AB05-5048FAC1E7CA}" type="datetimeFigureOut">
               <a:rPr lang="pt-BR" smtClean="0"/>
-              <a:t>10/08/2017</a:t>
+              <a:t>11/08/2017</a:t>
             </a:fld>
             <a:endParaRPr lang="pt-BR"/>
           </a:p>
@@ -1244,7 +1245,7 @@
           <a:p>
             <a:fld id="{5A04FDF9-363C-4322-AB05-5048FAC1E7CA}" type="datetimeFigureOut">
               <a:rPr lang="pt-BR" smtClean="0"/>
-              <a:t>10/08/2017</a:t>
+              <a:t>11/08/2017</a:t>
             </a:fld>
             <a:endParaRPr lang="pt-BR"/>
           </a:p>
@@ -1611,7 +1612,7 @@
           <a:p>
             <a:fld id="{5A04FDF9-363C-4322-AB05-5048FAC1E7CA}" type="datetimeFigureOut">
               <a:rPr lang="pt-BR" smtClean="0"/>
-              <a:t>10/08/2017</a:t>
+              <a:t>11/08/2017</a:t>
             </a:fld>
             <a:endParaRPr lang="pt-BR"/>
           </a:p>
@@ -1729,7 +1730,7 @@
           <a:p>
             <a:fld id="{5A04FDF9-363C-4322-AB05-5048FAC1E7CA}" type="datetimeFigureOut">
               <a:rPr lang="pt-BR" smtClean="0"/>
-              <a:t>10/08/2017</a:t>
+              <a:t>11/08/2017</a:t>
             </a:fld>
             <a:endParaRPr lang="pt-BR"/>
           </a:p>
@@ -1824,7 +1825,7 @@
           <a:p>
             <a:fld id="{5A04FDF9-363C-4322-AB05-5048FAC1E7CA}" type="datetimeFigureOut">
               <a:rPr lang="pt-BR" smtClean="0"/>
-              <a:t>10/08/2017</a:t>
+              <a:t>11/08/2017</a:t>
             </a:fld>
             <a:endParaRPr lang="pt-BR"/>
           </a:p>
@@ -2101,7 +2102,7 @@
           <a:p>
             <a:fld id="{5A04FDF9-363C-4322-AB05-5048FAC1E7CA}" type="datetimeFigureOut">
               <a:rPr lang="pt-BR" smtClean="0"/>
-              <a:t>10/08/2017</a:t>
+              <a:t>11/08/2017</a:t>
             </a:fld>
             <a:endParaRPr lang="pt-BR"/>
           </a:p>
@@ -2354,7 +2355,7 @@
           <a:p>
             <a:fld id="{5A04FDF9-363C-4322-AB05-5048FAC1E7CA}" type="datetimeFigureOut">
               <a:rPr lang="pt-BR" smtClean="0"/>
-              <a:t>10/08/2017</a:t>
+              <a:t>11/08/2017</a:t>
             </a:fld>
             <a:endParaRPr lang="pt-BR"/>
           </a:p>
@@ -2570,7 +2571,7 @@
           <a:p>
             <a:fld id="{5A04FDF9-363C-4322-AB05-5048FAC1E7CA}" type="datetimeFigureOut">
               <a:rPr lang="pt-BR" smtClean="0"/>
-              <a:t>10/08/2017</a:t>
+              <a:t>11/08/2017</a:t>
             </a:fld>
             <a:endParaRPr lang="pt-BR"/>
           </a:p>
@@ -3058,10 +3059,30 @@
           <a:lstStyle/>
           <a:p>
             <a:r>
+              <a:rPr lang="pt-BR" dirty="0" smtClean="0">
+                <a:solidFill>
+                  <a:srgbClr val="0064AA"/>
+                </a:solidFill>
+              </a:rPr>
+              <a:t>Bahia</a:t>
+            </a:r>
+            <a:r>
               <a:rPr lang="pt-BR" dirty="0" smtClean="0"/>
-              <a:t>Bahia Empregos</a:t>
-            </a:r>
-            <a:endParaRPr lang="pt-BR" dirty="0"/>
+              <a:t> </a:t>
+            </a:r>
+            <a:r>
+              <a:rPr lang="pt-BR" dirty="0" smtClean="0">
+                <a:solidFill>
+                  <a:srgbClr val="E60004"/>
+                </a:solidFill>
+              </a:rPr>
+              <a:t>Empregos</a:t>
+            </a:r>
+            <a:endParaRPr lang="pt-BR" dirty="0">
+              <a:solidFill>
+                <a:srgbClr val="E60004"/>
+              </a:solidFill>
+            </a:endParaRPr>
           </a:p>
         </p:txBody>
       </p:sp>
@@ -3223,10 +3244,26 @@
           <a:lstStyle/>
           <a:p>
             <a:r>
-              <a:rPr lang="pt-BR" dirty="0" smtClean="0"/>
-              <a:t>Tema: Trabalho</a:t>
-            </a:r>
-            <a:endParaRPr lang="pt-BR" dirty="0"/>
+              <a:rPr lang="pt-BR" dirty="0" smtClean="0">
+                <a:solidFill>
+                  <a:srgbClr val="0064AA"/>
+                </a:solidFill>
+              </a:rPr>
+              <a:t>Tema: </a:t>
+            </a:r>
+            <a:r>
+              <a:rPr lang="pt-BR" dirty="0" smtClean="0">
+                <a:solidFill>
+                  <a:srgbClr val="C00000"/>
+                </a:solidFill>
+              </a:rPr>
+              <a:t>Trabalho</a:t>
+            </a:r>
+            <a:endParaRPr lang="pt-BR" dirty="0">
+              <a:solidFill>
+                <a:srgbClr val="C00000"/>
+              </a:solidFill>
+            </a:endParaRPr>
           </a:p>
         </p:txBody>
       </p:sp>
@@ -3254,11 +3291,7 @@
             </a:pPr>
             <a:r>
               <a:rPr lang="pt-BR" sz="2400" dirty="0" smtClean="0"/>
-              <a:t>Objetivo: tornar o processo de seleção de candidatos para entrevista mais eficaz criando uma aplicação de fácil utilização para os usuários. Melhorando a experiência de usuário tanto para o empregador quanto para o candidato</a:t>
-            </a:r>
-            <a:r>
-              <a:rPr lang="pt-BR" sz="2400" dirty="0" smtClean="0"/>
-              <a:t>.</a:t>
+              <a:t>Objetivo: tornar o processo de seleção de candidatos para entrevista mais eficaz criando uma aplicação de fácil utilização para os usuários. Melhorando a experiência de usuário tanto para o empregador quanto para o candidato.</a:t>
             </a:r>
           </a:p>
           <a:p>
@@ -3277,7 +3310,35 @@
             </a:pPr>
             <a:r>
               <a:rPr lang="pt-BR" sz="2400" dirty="0" smtClean="0"/>
-              <a:t>Conceito: Para que a vaga de emprego seja preenchida, é necessário que o candidato a mesma contenha as competências necessárias para o trabalho. Então, não deve ser permitido a indicação de um trabalhador para uma entrevista que ele não tem chances de passar. O  aplicativo Bahia Empregos, visa otimizar o contato de candidatos e empresas para a criação de vínculos empregatícios de forma fácil, ágil e eficiente.</a:t>
+              <a:t>Conceito: Para que a vaga de emprego seja preenchida, é necessário que o candidato </a:t>
+            </a:r>
+            <a:r>
+              <a:rPr lang="pt-BR" sz="2400" dirty="0" smtClean="0"/>
+              <a:t>à </a:t>
+            </a:r>
+            <a:r>
+              <a:rPr lang="pt-BR" sz="2400" dirty="0" smtClean="0"/>
+              <a:t>mesma contenha as competências necessárias para o trabalho. Então, não deve ser permitido a indicação de um trabalhador para uma entrevista que ele não tem chances de </a:t>
+            </a:r>
+            <a:r>
+              <a:rPr lang="pt-BR" sz="2400" dirty="0" smtClean="0"/>
+              <a:t>ter </a:t>
+            </a:r>
+            <a:r>
+              <a:rPr lang="pt-BR" sz="2400" dirty="0" err="1" smtClean="0"/>
+              <a:t>exito</a:t>
+            </a:r>
+            <a:r>
+              <a:rPr lang="pt-BR" sz="2400" dirty="0" smtClean="0"/>
+              <a:t>. </a:t>
+            </a:r>
+            <a:r>
+              <a:rPr lang="pt-BR" sz="2400" dirty="0" smtClean="0"/>
+              <a:t>O  aplicativo Bahia Empregos, visa otimizar o contato de candidatos e empresas para a criação de vínculos empregatícios de forma fácil, ágil e eficiente</a:t>
+            </a:r>
+            <a:r>
+              <a:rPr lang="pt-BR" sz="2400" dirty="0" smtClean="0"/>
+              <a:t>. Permitindo ao empregador, a abertura de vagas bem detalhadas, e permitindo aos candidatos enriquecer os seus currículos com informações de relevância, como certificados e experiências profissionais.</a:t>
             </a:r>
             <a:endParaRPr lang="pt-BR" sz="2400" dirty="0"/>
           </a:p>
@@ -3336,10 +3397,26 @@
           <a:lstStyle/>
           <a:p>
             <a:r>
-              <a:rPr lang="pt-BR" dirty="0" smtClean="0"/>
-              <a:t>Funções</a:t>
-            </a:r>
-            <a:endParaRPr lang="pt-BR" dirty="0"/>
+              <a:rPr lang="pt-BR" dirty="0" smtClean="0">
+                <a:solidFill>
+                  <a:srgbClr val="0064AA"/>
+                </a:solidFill>
+              </a:rPr>
+              <a:t>Funç</a:t>
+            </a:r>
+            <a:r>
+              <a:rPr lang="pt-BR" dirty="0" smtClean="0">
+                <a:solidFill>
+                  <a:srgbClr val="E60004"/>
+                </a:solidFill>
+              </a:rPr>
+              <a:t>ões</a:t>
+            </a:r>
+            <a:endParaRPr lang="pt-BR" dirty="0">
+              <a:solidFill>
+                <a:srgbClr val="E60004"/>
+              </a:solidFill>
+            </a:endParaRPr>
           </a:p>
         </p:txBody>
       </p:sp>
@@ -3465,6 +3542,298 @@
     <p:extLst>
       <p:ext uri="{BB962C8B-B14F-4D97-AF65-F5344CB8AC3E}">
         <p14:creationId xmlns:p14="http://schemas.microsoft.com/office/powerpoint/2010/main" val="3766544877"/>
+      </p:ext>
+    </p:extLst>
+  </p:cSld>
+  <p:clrMapOvr>
+    <a:masterClrMapping/>
+  </p:clrMapOvr>
+  <p:timing>
+    <p:tnLst>
+      <p:par>
+        <p:cTn id="1" dur="indefinite" restart="never" nodeType="tmRoot"/>
+      </p:par>
+    </p:tnLst>
+  </p:timing>
+</p:sld>
+</file>
+
+<file path=ppt/slides/slide5.xml><?xml version="1.0" encoding="utf-8"?>
+<p:sld xmlns:a="http://schemas.openxmlformats.org/drawingml/2006/main" xmlns:r="http://schemas.openxmlformats.org/officeDocument/2006/relationships" xmlns:p="http://schemas.openxmlformats.org/presentationml/2006/main">
+  <p:cSld>
+    <p:spTree>
+      <p:nvGrpSpPr>
+        <p:cNvPr id="1" name=""/>
+        <p:cNvGrpSpPr/>
+        <p:nvPr/>
+      </p:nvGrpSpPr>
+      <p:grpSpPr>
+        <a:xfrm>
+          <a:off x="0" y="0"/>
+          <a:ext cx="0" cy="0"/>
+          <a:chOff x="0" y="0"/>
+          <a:chExt cx="0" cy="0"/>
+        </a:xfrm>
+      </p:grpSpPr>
+      <p:sp>
+        <p:nvSpPr>
+          <p:cNvPr id="2" name="Título 1"/>
+          <p:cNvSpPr>
+            <a:spLocks noGrp="1"/>
+          </p:cNvSpPr>
+          <p:nvPr>
+            <p:ph type="title"/>
+          </p:nvPr>
+        </p:nvSpPr>
+        <p:spPr/>
+        <p:txBody>
+          <a:bodyPr/>
+          <a:lstStyle/>
+          <a:p>
+            <a:r>
+              <a:rPr lang="pt-BR" dirty="0" smtClean="0">
+                <a:solidFill>
+                  <a:srgbClr val="0064AA"/>
+                </a:solidFill>
+              </a:rPr>
+              <a:t>Algumas </a:t>
+            </a:r>
+            <a:r>
+              <a:rPr lang="pt-BR" dirty="0" smtClean="0">
+                <a:solidFill>
+                  <a:srgbClr val="E60004"/>
+                </a:solidFill>
+              </a:rPr>
+              <a:t>Telas</a:t>
+            </a:r>
+            <a:endParaRPr lang="pt-BR" dirty="0">
+              <a:solidFill>
+                <a:srgbClr val="E60004"/>
+              </a:solidFill>
+            </a:endParaRPr>
+          </a:p>
+        </p:txBody>
+      </p:sp>
+      <p:pic>
+        <p:nvPicPr>
+          <p:cNvPr id="4" name="Espaço Reservado para Conteúdo 3"/>
+          <p:cNvPicPr>
+            <a:picLocks noGrp="1" noChangeAspect="1"/>
+          </p:cNvPicPr>
+          <p:nvPr>
+            <p:ph idx="1"/>
+          </p:nvPr>
+        </p:nvPicPr>
+        <p:blipFill>
+          <a:blip r:embed="rId2">
+            <a:extLst>
+              <a:ext uri="{28A0092B-C50C-407E-A947-70E740481C1C}">
+                <a14:useLocalDpi xmlns:a14="http://schemas.microsoft.com/office/drawing/2010/main" val="0"/>
+              </a:ext>
+            </a:extLst>
+          </a:blip>
+          <a:stretch>
+            <a:fillRect/>
+          </a:stretch>
+        </p:blipFill>
+        <p:spPr>
+          <a:xfrm>
+            <a:off x="8514008" y="1571220"/>
+            <a:ext cx="2446404" cy="4351338"/>
+          </a:xfrm>
+          <a:prstGeom prst="rect">
+            <a:avLst/>
+          </a:prstGeom>
+          <a:ln>
+            <a:noFill/>
+          </a:ln>
+          <a:effectLst>
+            <a:outerShdw blurRad="292100" dist="139700" dir="2700000" algn="tl" rotWithShape="0">
+              <a:srgbClr val="333333">
+                <a:alpha val="65000"/>
+              </a:srgbClr>
+            </a:outerShdw>
+          </a:effectLst>
+        </p:spPr>
+      </p:pic>
+      <p:pic>
+        <p:nvPicPr>
+          <p:cNvPr id="6" name="Imagem 5"/>
+          <p:cNvPicPr>
+            <a:picLocks noChangeAspect="1"/>
+          </p:cNvPicPr>
+          <p:nvPr/>
+        </p:nvPicPr>
+        <p:blipFill>
+          <a:blip r:embed="rId3">
+            <a:extLst>
+              <a:ext uri="{28A0092B-C50C-407E-A947-70E740481C1C}">
+                <a14:useLocalDpi xmlns:a14="http://schemas.microsoft.com/office/drawing/2010/main" val="0"/>
+              </a:ext>
+            </a:extLst>
+          </a:blip>
+          <a:stretch>
+            <a:fillRect/>
+          </a:stretch>
+        </p:blipFill>
+        <p:spPr>
+          <a:xfrm>
+            <a:off x="4872798" y="1571220"/>
+            <a:ext cx="2446404" cy="4351338"/>
+          </a:xfrm>
+          <a:prstGeom prst="rect">
+            <a:avLst/>
+          </a:prstGeom>
+          <a:ln>
+            <a:noFill/>
+          </a:ln>
+          <a:effectLst>
+            <a:outerShdw blurRad="292100" dist="139700" dir="2700000" algn="tl" rotWithShape="0">
+              <a:srgbClr val="333333">
+                <a:alpha val="65000"/>
+              </a:srgbClr>
+            </a:outerShdw>
+          </a:effectLst>
+        </p:spPr>
+      </p:pic>
+      <p:pic>
+        <p:nvPicPr>
+          <p:cNvPr id="7" name="Imagem 6"/>
+          <p:cNvPicPr>
+            <a:picLocks noChangeAspect="1"/>
+          </p:cNvPicPr>
+          <p:nvPr/>
+        </p:nvPicPr>
+        <p:blipFill>
+          <a:blip r:embed="rId4">
+            <a:extLst>
+              <a:ext uri="{28A0092B-C50C-407E-A947-70E740481C1C}">
+                <a14:useLocalDpi xmlns:a14="http://schemas.microsoft.com/office/drawing/2010/main" val="0"/>
+              </a:ext>
+            </a:extLst>
+          </a:blip>
+          <a:stretch>
+            <a:fillRect/>
+          </a:stretch>
+        </p:blipFill>
+        <p:spPr>
+          <a:xfrm>
+            <a:off x="1231588" y="1571220"/>
+            <a:ext cx="2446404" cy="4351338"/>
+          </a:xfrm>
+          <a:prstGeom prst="rect">
+            <a:avLst/>
+          </a:prstGeom>
+          <a:ln>
+            <a:noFill/>
+          </a:ln>
+          <a:effectLst>
+            <a:outerShdw blurRad="292100" dist="139700" dir="2700000" algn="tl" rotWithShape="0">
+              <a:srgbClr val="333333">
+                <a:alpha val="65000"/>
+              </a:srgbClr>
+            </a:outerShdw>
+          </a:effectLst>
+        </p:spPr>
+      </p:pic>
+      <p:sp>
+        <p:nvSpPr>
+          <p:cNvPr id="8" name="CaixaDeTexto 7"/>
+          <p:cNvSpPr txBox="1"/>
+          <p:nvPr/>
+        </p:nvSpPr>
+        <p:spPr>
+          <a:xfrm>
+            <a:off x="1231588" y="6104586"/>
+            <a:ext cx="1356782" cy="369332"/>
+          </a:xfrm>
+          <a:prstGeom prst="rect">
+            <a:avLst/>
+          </a:prstGeom>
+          <a:noFill/>
+        </p:spPr>
+        <p:txBody>
+          <a:bodyPr wrap="none" rtlCol="0">
+            <a:spAutoFit/>
+          </a:bodyPr>
+          <a:lstStyle/>
+          <a:p>
+            <a:r>
+              <a:rPr lang="pt-BR" dirty="0" smtClean="0"/>
+              <a:t>Tela de </a:t>
+            </a:r>
+            <a:r>
+              <a:rPr lang="pt-BR" dirty="0" err="1" smtClean="0"/>
+              <a:t>login</a:t>
+            </a:r>
+            <a:endParaRPr lang="pt-BR" dirty="0"/>
+          </a:p>
+        </p:txBody>
+      </p:sp>
+      <p:sp>
+        <p:nvSpPr>
+          <p:cNvPr id="9" name="CaixaDeTexto 8"/>
+          <p:cNvSpPr txBox="1"/>
+          <p:nvPr/>
+        </p:nvSpPr>
+        <p:spPr>
+          <a:xfrm>
+            <a:off x="4872798" y="6104586"/>
+            <a:ext cx="2781980" cy="369332"/>
+          </a:xfrm>
+          <a:prstGeom prst="rect">
+            <a:avLst/>
+          </a:prstGeom>
+          <a:noFill/>
+        </p:spPr>
+        <p:txBody>
+          <a:bodyPr wrap="none" rtlCol="0">
+            <a:spAutoFit/>
+          </a:bodyPr>
+          <a:lstStyle/>
+          <a:p>
+            <a:r>
+              <a:rPr lang="pt-BR" dirty="0" smtClean="0"/>
+              <a:t>Tela inicial de um candidato</a:t>
+            </a:r>
+            <a:endParaRPr lang="pt-BR" dirty="0"/>
+          </a:p>
+        </p:txBody>
+      </p:sp>
+      <p:sp>
+        <p:nvSpPr>
+          <p:cNvPr id="10" name="CaixaDeTexto 9"/>
+          <p:cNvSpPr txBox="1"/>
+          <p:nvPr/>
+        </p:nvSpPr>
+        <p:spPr>
+          <a:xfrm>
+            <a:off x="8514008" y="6130344"/>
+            <a:ext cx="1673215" cy="369332"/>
+          </a:xfrm>
+          <a:prstGeom prst="rect">
+            <a:avLst/>
+          </a:prstGeom>
+          <a:noFill/>
+        </p:spPr>
+        <p:txBody>
+          <a:bodyPr wrap="none" rtlCol="0">
+            <a:spAutoFit/>
+          </a:bodyPr>
+          <a:lstStyle/>
+          <a:p>
+            <a:r>
+              <a:rPr lang="pt-BR" dirty="0" smtClean="0"/>
+              <a:t>Perfil detalhado</a:t>
+            </a:r>
+            <a:endParaRPr lang="pt-BR" dirty="0"/>
+          </a:p>
+        </p:txBody>
+      </p:sp>
+    </p:spTree>
+    <p:extLst>
+      <p:ext uri="{BB962C8B-B14F-4D97-AF65-F5344CB8AC3E}">
+        <p14:creationId xmlns:p14="http://schemas.microsoft.com/office/powerpoint/2010/main" val="415526452"/>
       </p:ext>
     </p:extLst>
   </p:cSld>

--- a/materiais/Apresentação1.pptx
+++ b/materiais/Apresentação1.pptx
@@ -3310,19 +3310,7 @@
             </a:pPr>
             <a:r>
               <a:rPr lang="pt-BR" sz="2400" dirty="0" smtClean="0"/>
-              <a:t>Conceito: Para que a vaga de emprego seja preenchida, é necessário que o candidato </a:t>
-            </a:r>
-            <a:r>
-              <a:rPr lang="pt-BR" sz="2400" dirty="0" smtClean="0"/>
-              <a:t>à </a:t>
-            </a:r>
-            <a:r>
-              <a:rPr lang="pt-BR" sz="2400" dirty="0" smtClean="0"/>
-              <a:t>mesma contenha as competências necessárias para o trabalho. Então, não deve ser permitido a indicação de um trabalhador para uma entrevista que ele não tem chances de </a:t>
-            </a:r>
-            <a:r>
-              <a:rPr lang="pt-BR" sz="2400" dirty="0" smtClean="0"/>
-              <a:t>ter </a:t>
+              <a:t>Conceito: Para que a vaga de emprego seja preenchida, é necessário que o candidato à mesma contenha as competências necessárias para o trabalho. Então, não deve ser permitido a indicação de um trabalhador para uma entrevista que ele não tem chances de ter </a:t>
             </a:r>
             <a:r>
               <a:rPr lang="pt-BR" sz="2400" dirty="0" err="1" smtClean="0"/>
@@ -3330,15 +3318,7 @@
             </a:r>
             <a:r>
               <a:rPr lang="pt-BR" sz="2400" dirty="0" smtClean="0"/>
-              <a:t>. </a:t>
-            </a:r>
-            <a:r>
-              <a:rPr lang="pt-BR" sz="2400" dirty="0" smtClean="0"/>
-              <a:t>O  aplicativo Bahia Empregos, visa otimizar o contato de candidatos e empresas para a criação de vínculos empregatícios de forma fácil, ágil e eficiente</a:t>
-            </a:r>
-            <a:r>
-              <a:rPr lang="pt-BR" sz="2400" dirty="0" smtClean="0"/>
-              <a:t>. Permitindo ao empregador, a abertura de vagas bem detalhadas, e permitindo aos candidatos enriquecer os seus currículos com informações de relevância, como certificados e experiências profissionais.</a:t>
+              <a:t>. O  aplicativo Bahia Empregos, visa otimizar o contato de candidatos e empresas para a criação de vínculos empregatícios de forma fácil, ágil e eficiente. Permitindo ao empregador, a abertura de vagas bem detalhadas, e permitindo aos candidatos enriquecer os seus currículos com informações de relevância, como certificados e experiências profissionais.</a:t>
             </a:r>
             <a:endParaRPr lang="pt-BR" sz="2400" dirty="0"/>
           </a:p>
@@ -3830,6 +3810,36 @@
           </a:p>
         </p:txBody>
       </p:sp>
+      <p:pic>
+        <p:nvPicPr>
+          <p:cNvPr id="3" name="Imagem 2"/>
+          <p:cNvPicPr>
+            <a:picLocks noChangeAspect="1"/>
+          </p:cNvPicPr>
+          <p:nvPr/>
+        </p:nvPicPr>
+        <p:blipFill>
+          <a:blip r:embed="rId5">
+            <a:extLst>
+              <a:ext uri="{28A0092B-C50C-407E-A947-70E740481C1C}">
+                <a14:useLocalDpi xmlns:a14="http://schemas.microsoft.com/office/drawing/2010/main" val="0"/>
+              </a:ext>
+            </a:extLst>
+          </a:blip>
+          <a:stretch>
+            <a:fillRect/>
+          </a:stretch>
+        </p:blipFill>
+        <p:spPr>
+          <a:xfrm>
+            <a:off x="8514009" y="1571221"/>
+            <a:ext cx="2446404" cy="4351338"/>
+          </a:xfrm>
+          <a:prstGeom prst="rect">
+            <a:avLst/>
+          </a:prstGeom>
+        </p:spPr>
+      </p:pic>
     </p:spTree>
     <p:extLst>
       <p:ext uri="{BB962C8B-B14F-4D97-AF65-F5344CB8AC3E}">

--- a/materiais/Apresentação1.pptx
+++ b/materiais/Apresentação1.pptx
@@ -9,7 +9,8 @@
     <p:sldId id="257" r:id="rId3"/>
     <p:sldId id="258" r:id="rId4"/>
     <p:sldId id="259" r:id="rId5"/>
-    <p:sldId id="260" r:id="rId6"/>
+    <p:sldId id="261" r:id="rId6"/>
+    <p:sldId id="260" r:id="rId7"/>
   </p:sldIdLst>
   <p:sldSz cx="12192000" cy="6858000"/>
   <p:notesSz cx="6858000" cy="9144000"/>
@@ -116,6 +117,10 @@
 </p:presentation>
 </file>
 
+<file path=ppt/revisionInfo.xml><?xml version="1.0" encoding="utf-8"?>
+<p1510:revInfo xmlns:a="http://schemas.openxmlformats.org/drawingml/2006/main" xmlns:r="http://schemas.openxmlformats.org/officeDocument/2006/relationships" xmlns:p1510="http://schemas.microsoft.com/office/powerpoint/2015/10/main"/>
+</file>
+
 <file path=ppt/slideLayouts/slideLayout1.xml><?xml version="1.0" encoding="utf-8"?>
 <p:sldLayout xmlns:a="http://schemas.openxmlformats.org/drawingml/2006/main" xmlns:r="http://schemas.openxmlformats.org/officeDocument/2006/relationships" xmlns:p="http://schemas.openxmlformats.org/presentationml/2006/main" type="title" preserve="1">
   <p:cSld name="Slide de Título">
@@ -158,10 +163,9 @@
           </a:lstStyle>
           <a:p>
             <a:r>
-              <a:rPr lang="pt-BR" smtClean="0"/>
+              <a:rPr lang="pt-BR"/>
               <a:t>Clique para editar o título mestre</a:t>
             </a:r>
-            <a:endParaRPr lang="pt-BR"/>
           </a:p>
         </p:txBody>
       </p:sp>
@@ -223,10 +227,9 @@
           </a:lstStyle>
           <a:p>
             <a:r>
-              <a:rPr lang="pt-BR" smtClean="0"/>
+              <a:rPr lang="pt-BR"/>
               <a:t>Clique para editar o estilo do subtítulo Mestre</a:t>
             </a:r>
-            <a:endParaRPr lang="pt-BR"/>
           </a:p>
         </p:txBody>
       </p:sp>
@@ -341,10 +344,9 @@
           <a:lstStyle/>
           <a:p>
             <a:r>
-              <a:rPr lang="pt-BR" smtClean="0"/>
+              <a:rPr lang="pt-BR"/>
               <a:t>Clique para editar o título mestre</a:t>
             </a:r>
-            <a:endParaRPr lang="pt-BR"/>
           </a:p>
         </p:txBody>
       </p:sp>
@@ -365,38 +367,37 @@
           <a:p>
             <a:pPr lvl="0"/>
             <a:r>
-              <a:rPr lang="pt-BR" smtClean="0"/>
+              <a:rPr lang="pt-BR"/>
               <a:t>Editar estilos de texto Mestre</a:t>
             </a:r>
           </a:p>
           <a:p>
             <a:pPr lvl="1"/>
             <a:r>
-              <a:rPr lang="pt-BR" smtClean="0"/>
+              <a:rPr lang="pt-BR"/>
               <a:t>Segundo nível</a:t>
             </a:r>
           </a:p>
           <a:p>
             <a:pPr lvl="2"/>
             <a:r>
-              <a:rPr lang="pt-BR" smtClean="0"/>
+              <a:rPr lang="pt-BR"/>
               <a:t>Terceiro nível</a:t>
             </a:r>
           </a:p>
           <a:p>
             <a:pPr lvl="3"/>
             <a:r>
-              <a:rPr lang="pt-BR" smtClean="0"/>
+              <a:rPr lang="pt-BR"/>
               <a:t>Quarto nível</a:t>
             </a:r>
           </a:p>
           <a:p>
             <a:pPr lvl="4"/>
             <a:r>
-              <a:rPr lang="pt-BR" smtClean="0"/>
+              <a:rPr lang="pt-BR"/>
               <a:t>Quinto nível</a:t>
             </a:r>
-            <a:endParaRPr lang="pt-BR"/>
           </a:p>
         </p:txBody>
       </p:sp>
@@ -516,10 +517,9 @@
           <a:lstStyle/>
           <a:p>
             <a:r>
-              <a:rPr lang="pt-BR" smtClean="0"/>
+              <a:rPr lang="pt-BR"/>
               <a:t>Clique para editar o título mestre</a:t>
             </a:r>
-            <a:endParaRPr lang="pt-BR"/>
           </a:p>
         </p:txBody>
       </p:sp>
@@ -545,38 +545,37 @@
           <a:p>
             <a:pPr lvl="0"/>
             <a:r>
-              <a:rPr lang="pt-BR" smtClean="0"/>
+              <a:rPr lang="pt-BR"/>
               <a:t>Editar estilos de texto Mestre</a:t>
             </a:r>
           </a:p>
           <a:p>
             <a:pPr lvl="1"/>
             <a:r>
-              <a:rPr lang="pt-BR" smtClean="0"/>
+              <a:rPr lang="pt-BR"/>
               <a:t>Segundo nível</a:t>
             </a:r>
           </a:p>
           <a:p>
             <a:pPr lvl="2"/>
             <a:r>
-              <a:rPr lang="pt-BR" smtClean="0"/>
+              <a:rPr lang="pt-BR"/>
               <a:t>Terceiro nível</a:t>
             </a:r>
           </a:p>
           <a:p>
             <a:pPr lvl="3"/>
             <a:r>
-              <a:rPr lang="pt-BR" smtClean="0"/>
+              <a:rPr lang="pt-BR"/>
               <a:t>Quarto nível</a:t>
             </a:r>
           </a:p>
           <a:p>
             <a:pPr lvl="4"/>
             <a:r>
-              <a:rPr lang="pt-BR" smtClean="0"/>
+              <a:rPr lang="pt-BR"/>
               <a:t>Quinto nível</a:t>
             </a:r>
-            <a:endParaRPr lang="pt-BR"/>
           </a:p>
         </p:txBody>
       </p:sp>
@@ -691,10 +690,9 @@
           <a:lstStyle/>
           <a:p>
             <a:r>
-              <a:rPr lang="pt-BR" smtClean="0"/>
+              <a:rPr lang="pt-BR"/>
               <a:t>Clique para editar o título mestre</a:t>
             </a:r>
-            <a:endParaRPr lang="pt-BR"/>
           </a:p>
         </p:txBody>
       </p:sp>
@@ -715,38 +713,37 @@
           <a:p>
             <a:pPr lvl="0"/>
             <a:r>
-              <a:rPr lang="pt-BR" smtClean="0"/>
+              <a:rPr lang="pt-BR"/>
               <a:t>Editar estilos de texto Mestre</a:t>
             </a:r>
           </a:p>
           <a:p>
             <a:pPr lvl="1"/>
             <a:r>
-              <a:rPr lang="pt-BR" smtClean="0"/>
+              <a:rPr lang="pt-BR"/>
               <a:t>Segundo nível</a:t>
             </a:r>
           </a:p>
           <a:p>
             <a:pPr lvl="2"/>
             <a:r>
-              <a:rPr lang="pt-BR" smtClean="0"/>
+              <a:rPr lang="pt-BR"/>
               <a:t>Terceiro nível</a:t>
             </a:r>
           </a:p>
           <a:p>
             <a:pPr lvl="3"/>
             <a:r>
-              <a:rPr lang="pt-BR" smtClean="0"/>
+              <a:rPr lang="pt-BR"/>
               <a:t>Quarto nível</a:t>
             </a:r>
           </a:p>
           <a:p>
             <a:pPr lvl="4"/>
             <a:r>
-              <a:rPr lang="pt-BR" smtClean="0"/>
+              <a:rPr lang="pt-BR"/>
               <a:t>Quinto nível</a:t>
             </a:r>
-            <a:endParaRPr lang="pt-BR"/>
           </a:p>
         </p:txBody>
       </p:sp>
@@ -870,10 +867,9 @@
           </a:lstStyle>
           <a:p>
             <a:r>
-              <a:rPr lang="pt-BR" smtClean="0"/>
+              <a:rPr lang="pt-BR"/>
               <a:t>Clique para editar o título mestre</a:t>
             </a:r>
-            <a:endParaRPr lang="pt-BR"/>
           </a:p>
         </p:txBody>
       </p:sp>
@@ -990,7 +986,7 @@
           <a:p>
             <a:pPr lvl="0"/>
             <a:r>
-              <a:rPr lang="pt-BR" smtClean="0"/>
+              <a:rPr lang="pt-BR"/>
               <a:t>Editar estilos de texto Mestre</a:t>
             </a:r>
           </a:p>
@@ -1107,10 +1103,9 @@
           <a:lstStyle/>
           <a:p>
             <a:r>
-              <a:rPr lang="pt-BR" smtClean="0"/>
+              <a:rPr lang="pt-BR"/>
               <a:t>Clique para editar o título mestre</a:t>
             </a:r>
-            <a:endParaRPr lang="pt-BR"/>
           </a:p>
         </p:txBody>
       </p:sp>
@@ -1136,38 +1131,37 @@
           <a:p>
             <a:pPr lvl="0"/>
             <a:r>
-              <a:rPr lang="pt-BR" smtClean="0"/>
+              <a:rPr lang="pt-BR"/>
               <a:t>Editar estilos de texto Mestre</a:t>
             </a:r>
           </a:p>
           <a:p>
             <a:pPr lvl="1"/>
             <a:r>
-              <a:rPr lang="pt-BR" smtClean="0"/>
+              <a:rPr lang="pt-BR"/>
               <a:t>Segundo nível</a:t>
             </a:r>
           </a:p>
           <a:p>
             <a:pPr lvl="2"/>
             <a:r>
-              <a:rPr lang="pt-BR" smtClean="0"/>
+              <a:rPr lang="pt-BR"/>
               <a:t>Terceiro nível</a:t>
             </a:r>
           </a:p>
           <a:p>
             <a:pPr lvl="3"/>
             <a:r>
-              <a:rPr lang="pt-BR" smtClean="0"/>
+              <a:rPr lang="pt-BR"/>
               <a:t>Quarto nível</a:t>
             </a:r>
           </a:p>
           <a:p>
             <a:pPr lvl="4"/>
             <a:r>
-              <a:rPr lang="pt-BR" smtClean="0"/>
+              <a:rPr lang="pt-BR"/>
               <a:t>Quinto nível</a:t>
             </a:r>
-            <a:endParaRPr lang="pt-BR"/>
           </a:p>
         </p:txBody>
       </p:sp>
@@ -1193,38 +1187,37 @@
           <a:p>
             <a:pPr lvl="0"/>
             <a:r>
-              <a:rPr lang="pt-BR" smtClean="0"/>
+              <a:rPr lang="pt-BR"/>
               <a:t>Editar estilos de texto Mestre</a:t>
             </a:r>
           </a:p>
           <a:p>
             <a:pPr lvl="1"/>
             <a:r>
-              <a:rPr lang="pt-BR" smtClean="0"/>
+              <a:rPr lang="pt-BR"/>
               <a:t>Segundo nível</a:t>
             </a:r>
           </a:p>
           <a:p>
             <a:pPr lvl="2"/>
             <a:r>
-              <a:rPr lang="pt-BR" smtClean="0"/>
+              <a:rPr lang="pt-BR"/>
               <a:t>Terceiro nível</a:t>
             </a:r>
           </a:p>
           <a:p>
             <a:pPr lvl="3"/>
             <a:r>
-              <a:rPr lang="pt-BR" smtClean="0"/>
+              <a:rPr lang="pt-BR"/>
               <a:t>Quarto nível</a:t>
             </a:r>
           </a:p>
           <a:p>
             <a:pPr lvl="4"/>
             <a:r>
-              <a:rPr lang="pt-BR" smtClean="0"/>
+              <a:rPr lang="pt-BR"/>
               <a:t>Quinto nível</a:t>
             </a:r>
-            <a:endParaRPr lang="pt-BR"/>
           </a:p>
         </p:txBody>
       </p:sp>
@@ -1344,10 +1337,9 @@
           <a:lstStyle/>
           <a:p>
             <a:r>
-              <a:rPr lang="pt-BR" smtClean="0"/>
+              <a:rPr lang="pt-BR"/>
               <a:t>Clique para editar o título mestre</a:t>
             </a:r>
-            <a:endParaRPr lang="pt-BR"/>
           </a:p>
         </p:txBody>
       </p:sp>
@@ -1410,7 +1402,7 @@
           <a:p>
             <a:pPr lvl="0"/>
             <a:r>
-              <a:rPr lang="pt-BR" smtClean="0"/>
+              <a:rPr lang="pt-BR"/>
               <a:t>Editar estilos de texto Mestre</a:t>
             </a:r>
           </a:p>
@@ -1438,38 +1430,37 @@
           <a:p>
             <a:pPr lvl="0"/>
             <a:r>
-              <a:rPr lang="pt-BR" smtClean="0"/>
+              <a:rPr lang="pt-BR"/>
               <a:t>Editar estilos de texto Mestre</a:t>
             </a:r>
           </a:p>
           <a:p>
             <a:pPr lvl="1"/>
             <a:r>
-              <a:rPr lang="pt-BR" smtClean="0"/>
+              <a:rPr lang="pt-BR"/>
               <a:t>Segundo nível</a:t>
             </a:r>
           </a:p>
           <a:p>
             <a:pPr lvl="2"/>
             <a:r>
-              <a:rPr lang="pt-BR" smtClean="0"/>
+              <a:rPr lang="pt-BR"/>
               <a:t>Terceiro nível</a:t>
             </a:r>
           </a:p>
           <a:p>
             <a:pPr lvl="3"/>
             <a:r>
-              <a:rPr lang="pt-BR" smtClean="0"/>
+              <a:rPr lang="pt-BR"/>
               <a:t>Quarto nível</a:t>
             </a:r>
           </a:p>
           <a:p>
             <a:pPr lvl="4"/>
             <a:r>
-              <a:rPr lang="pt-BR" smtClean="0"/>
+              <a:rPr lang="pt-BR"/>
               <a:t>Quinto nível</a:t>
             </a:r>
-            <a:endParaRPr lang="pt-BR"/>
           </a:p>
         </p:txBody>
       </p:sp>
@@ -1532,7 +1523,7 @@
           <a:p>
             <a:pPr lvl="0"/>
             <a:r>
-              <a:rPr lang="pt-BR" smtClean="0"/>
+              <a:rPr lang="pt-BR"/>
               <a:t>Editar estilos de texto Mestre</a:t>
             </a:r>
           </a:p>
@@ -1560,38 +1551,37 @@
           <a:p>
             <a:pPr lvl="0"/>
             <a:r>
-              <a:rPr lang="pt-BR" smtClean="0"/>
+              <a:rPr lang="pt-BR"/>
               <a:t>Editar estilos de texto Mestre</a:t>
             </a:r>
           </a:p>
           <a:p>
             <a:pPr lvl="1"/>
             <a:r>
-              <a:rPr lang="pt-BR" smtClean="0"/>
+              <a:rPr lang="pt-BR"/>
               <a:t>Segundo nível</a:t>
             </a:r>
           </a:p>
           <a:p>
             <a:pPr lvl="2"/>
             <a:r>
-              <a:rPr lang="pt-BR" smtClean="0"/>
+              <a:rPr lang="pt-BR"/>
               <a:t>Terceiro nível</a:t>
             </a:r>
           </a:p>
           <a:p>
             <a:pPr lvl="3"/>
             <a:r>
-              <a:rPr lang="pt-BR" smtClean="0"/>
+              <a:rPr lang="pt-BR"/>
               <a:t>Quarto nível</a:t>
             </a:r>
           </a:p>
           <a:p>
             <a:pPr lvl="4"/>
             <a:r>
-              <a:rPr lang="pt-BR" smtClean="0"/>
+              <a:rPr lang="pt-BR"/>
               <a:t>Quinto nível</a:t>
             </a:r>
-            <a:endParaRPr lang="pt-BR"/>
           </a:p>
         </p:txBody>
       </p:sp>
@@ -1706,10 +1696,9 @@
           <a:lstStyle/>
           <a:p>
             <a:r>
-              <a:rPr lang="pt-BR" smtClean="0"/>
+              <a:rPr lang="pt-BR"/>
               <a:t>Clique para editar o título mestre</a:t>
             </a:r>
-            <a:endParaRPr lang="pt-BR"/>
           </a:p>
         </p:txBody>
       </p:sp>
@@ -1928,10 +1917,9 @@
           </a:lstStyle>
           <a:p>
             <a:r>
-              <a:rPr lang="pt-BR" smtClean="0"/>
+              <a:rPr lang="pt-BR"/>
               <a:t>Clique para editar o título mestre</a:t>
             </a:r>
-            <a:endParaRPr lang="pt-BR"/>
           </a:p>
         </p:txBody>
       </p:sp>
@@ -1985,38 +1973,37 @@
           <a:p>
             <a:pPr lvl="0"/>
             <a:r>
-              <a:rPr lang="pt-BR" smtClean="0"/>
+              <a:rPr lang="pt-BR"/>
               <a:t>Editar estilos de texto Mestre</a:t>
             </a:r>
           </a:p>
           <a:p>
             <a:pPr lvl="1"/>
             <a:r>
-              <a:rPr lang="pt-BR" smtClean="0"/>
+              <a:rPr lang="pt-BR"/>
               <a:t>Segundo nível</a:t>
             </a:r>
           </a:p>
           <a:p>
             <a:pPr lvl="2"/>
             <a:r>
-              <a:rPr lang="pt-BR" smtClean="0"/>
+              <a:rPr lang="pt-BR"/>
               <a:t>Terceiro nível</a:t>
             </a:r>
           </a:p>
           <a:p>
             <a:pPr lvl="3"/>
             <a:r>
-              <a:rPr lang="pt-BR" smtClean="0"/>
+              <a:rPr lang="pt-BR"/>
               <a:t>Quarto nível</a:t>
             </a:r>
           </a:p>
           <a:p>
             <a:pPr lvl="4"/>
             <a:r>
-              <a:rPr lang="pt-BR" smtClean="0"/>
+              <a:rPr lang="pt-BR"/>
               <a:t>Quinto nível</a:t>
             </a:r>
-            <a:endParaRPr lang="pt-BR"/>
           </a:p>
         </p:txBody>
       </p:sp>
@@ -2079,7 +2066,7 @@
           <a:p>
             <a:pPr lvl="0"/>
             <a:r>
-              <a:rPr lang="pt-BR" smtClean="0"/>
+              <a:rPr lang="pt-BR"/>
               <a:t>Editar estilos de texto Mestre</a:t>
             </a:r>
           </a:p>
@@ -2205,10 +2192,9 @@
           </a:lstStyle>
           <a:p>
             <a:r>
-              <a:rPr lang="pt-BR" smtClean="0"/>
+              <a:rPr lang="pt-BR"/>
               <a:t>Clique para editar o título mestre</a:t>
             </a:r>
-            <a:endParaRPr lang="pt-BR"/>
           </a:p>
         </p:txBody>
       </p:sp>
@@ -2332,7 +2318,7 @@
           <a:p>
             <a:pPr lvl="0"/>
             <a:r>
-              <a:rPr lang="pt-BR" smtClean="0"/>
+              <a:rPr lang="pt-BR"/>
               <a:t>Editar estilos de texto Mestre</a:t>
             </a:r>
           </a:p>
@@ -2467,10 +2453,9 @@
           <a:lstStyle/>
           <a:p>
             <a:r>
-              <a:rPr lang="pt-BR" smtClean="0"/>
+              <a:rPr lang="pt-BR"/>
               <a:t>Clique para editar o título mestre</a:t>
             </a:r>
-            <a:endParaRPr lang="pt-BR"/>
           </a:p>
         </p:txBody>
       </p:sp>
@@ -2501,38 +2486,37 @@
           <a:p>
             <a:pPr lvl="0"/>
             <a:r>
-              <a:rPr lang="pt-BR" smtClean="0"/>
+              <a:rPr lang="pt-BR"/>
               <a:t>Editar estilos de texto Mestre</a:t>
             </a:r>
           </a:p>
           <a:p>
             <a:pPr lvl="1"/>
             <a:r>
-              <a:rPr lang="pt-BR" smtClean="0"/>
+              <a:rPr lang="pt-BR"/>
               <a:t>Segundo nível</a:t>
             </a:r>
           </a:p>
           <a:p>
             <a:pPr lvl="2"/>
             <a:r>
-              <a:rPr lang="pt-BR" smtClean="0"/>
+              <a:rPr lang="pt-BR"/>
               <a:t>Terceiro nível</a:t>
             </a:r>
           </a:p>
           <a:p>
             <a:pPr lvl="3"/>
             <a:r>
-              <a:rPr lang="pt-BR" smtClean="0"/>
+              <a:rPr lang="pt-BR"/>
               <a:t>Quarto nível</a:t>
             </a:r>
           </a:p>
           <a:p>
             <a:pPr lvl="4"/>
             <a:r>
-              <a:rPr lang="pt-BR" smtClean="0"/>
+              <a:rPr lang="pt-BR"/>
               <a:t>Quinto nível</a:t>
             </a:r>
-            <a:endParaRPr lang="pt-BR"/>
           </a:p>
         </p:txBody>
       </p:sp>
@@ -3016,13 +3000,6 @@
   <p:clrMapOvr>
     <a:masterClrMapping/>
   </p:clrMapOvr>
-  <p:timing>
-    <p:tnLst>
-      <p:par>
-        <p:cTn id="1" dur="indefinite" restart="never" nodeType="tmRoot"/>
-      </p:par>
-    </p:tnLst>
-  </p:timing>
 </p:sld>
 </file>
 
@@ -3059,7 +3036,7 @@
           <a:lstStyle/>
           <a:p>
             <a:r>
-              <a:rPr lang="pt-BR" dirty="0" smtClean="0">
+              <a:rPr lang="pt-BR" dirty="0">
                 <a:solidFill>
                   <a:srgbClr val="0064AA"/>
                 </a:solidFill>
@@ -3067,22 +3044,17 @@
               <a:t>Bahia</a:t>
             </a:r>
             <a:r>
-              <a:rPr lang="pt-BR" dirty="0" smtClean="0"/>
+              <a:rPr lang="pt-BR" dirty="0"/>
               <a:t> </a:t>
             </a:r>
             <a:r>
-              <a:rPr lang="pt-BR" dirty="0" smtClean="0">
+              <a:rPr lang="pt-BR" dirty="0">
                 <a:solidFill>
                   <a:srgbClr val="E60004"/>
                 </a:solidFill>
               </a:rPr>
               <a:t>Empregos</a:t>
             </a:r>
-            <a:endParaRPr lang="pt-BR" dirty="0">
-              <a:solidFill>
-                <a:srgbClr val="E60004"/>
-              </a:solidFill>
-            </a:endParaRPr>
           </a:p>
         </p:txBody>
       </p:sp>
@@ -3109,9 +3081,22 @@
               </a:lnSpc>
             </a:pPr>
             <a:r>
-              <a:rPr lang="pt-BR" sz="2400" dirty="0" smtClean="0"/>
+              <a:rPr lang="pt-BR" sz="2400" dirty="0"/>
               <a:t>Cleybson Cardoso Leite – Desenvolvedor</a:t>
             </a:r>
+          </a:p>
+          <a:p>
+            <a:pPr marL="457200" lvl="1" indent="0">
+              <a:lnSpc>
+                <a:spcPts val="2640"/>
+              </a:lnSpc>
+              <a:buNone/>
+            </a:pPr>
+            <a:r>
+              <a:rPr lang="pt-BR" sz="2000" dirty="0"/>
+              <a:t>https://www.linkedin.com/in/cleybson-cardoso-6a6a96133/</a:t>
+            </a:r>
+            <a:endParaRPr lang="pt-BR" dirty="0"/>
           </a:p>
           <a:p>
             <a:pPr>
@@ -3120,10 +3105,21 @@
               </a:lnSpc>
             </a:pPr>
             <a:r>
-              <a:rPr lang="pt-BR" sz="2400" dirty="0" smtClean="0"/>
-              <a:t>Gabriel Reis Miranda – Desenvolvedor</a:t>
-            </a:r>
-            <a:endParaRPr lang="pt-BR" sz="2400" dirty="0"/>
+              <a:rPr lang="pt-BR" sz="2400" dirty="0"/>
+              <a:t>Gabriel Reis Miranda – Desenvolvedor </a:t>
+            </a:r>
+          </a:p>
+          <a:p>
+            <a:pPr marL="457200" lvl="1" indent="0">
+              <a:lnSpc>
+                <a:spcPts val="2640"/>
+              </a:lnSpc>
+              <a:buNone/>
+            </a:pPr>
+            <a:r>
+              <a:rPr lang="pt-BR" sz="2000" dirty="0"/>
+              <a:t>https://www.linkedin.com/in/gabriel-reis-miranda-45033bb4/</a:t>
+            </a:r>
           </a:p>
           <a:p>
             <a:pPr>
@@ -3132,12 +3128,20 @@
               </a:lnSpc>
             </a:pPr>
             <a:r>
-              <a:rPr lang="pt-BR" sz="2400" dirty="0" err="1" smtClean="0"/>
-              <a:t>Ícaro</a:t>
-            </a:r>
-            <a:r>
-              <a:rPr lang="pt-BR" sz="2400" dirty="0" smtClean="0"/>
-              <a:t> Cardoso Rios – Desenvolvedor </a:t>
+              <a:rPr lang="pt-BR" sz="2400" dirty="0"/>
+              <a:t>Ícaro Cardoso Rios – Desenvolvedor</a:t>
+            </a:r>
+          </a:p>
+          <a:p>
+            <a:pPr marL="457200" lvl="1" indent="0">
+              <a:lnSpc>
+                <a:spcPts val="2640"/>
+              </a:lnSpc>
+              <a:buNone/>
+            </a:pPr>
+            <a:r>
+              <a:rPr lang="pt-BR" sz="2000" dirty="0"/>
+              <a:t>https://www.linkedin.com/in/icaro-rios-6865a012b/</a:t>
             </a:r>
           </a:p>
           <a:p>
@@ -3147,14 +3151,26 @@
               </a:lnSpc>
             </a:pPr>
             <a:r>
-              <a:rPr lang="pt-BR" sz="2400" dirty="0" smtClean="0"/>
+              <a:rPr lang="pt-BR" sz="2400" dirty="0"/>
               <a:t>José Ricardo Nogueira Magalhães - Designer e desenvolvedor front-</a:t>
             </a:r>
             <a:r>
-              <a:rPr lang="pt-BR" sz="2400" dirty="0" err="1" smtClean="0"/>
+              <a:rPr lang="pt-BR" sz="2400" dirty="0" err="1"/>
               <a:t>end</a:t>
             </a:r>
-            <a:endParaRPr lang="pt-BR" sz="2400" dirty="0" smtClean="0"/>
+            <a:endParaRPr lang="pt-BR" sz="2400" dirty="0"/>
+          </a:p>
+          <a:p>
+            <a:pPr marL="457200" lvl="1" indent="0">
+              <a:lnSpc>
+                <a:spcPts val="2640"/>
+              </a:lnSpc>
+              <a:buNone/>
+            </a:pPr>
+            <a:r>
+              <a:rPr lang="pt-BR" sz="2000" dirty="0"/>
+              <a:t>https://www.linkedin.com/in/jrnmagalhaes/</a:t>
+            </a:r>
           </a:p>
           <a:p>
             <a:pPr marL="0" indent="0">
@@ -3166,26 +3182,8 @@
             <a:pPr marL="0" indent="0">
               <a:buNone/>
             </a:pPr>
-            <a:endParaRPr lang="pt-BR" dirty="0" smtClean="0"/>
-          </a:p>
-          <a:p>
-            <a:pPr marL="0" indent="0">
-              <a:buNone/>
-            </a:pPr>
-            <a:endParaRPr lang="pt-BR" dirty="0" smtClean="0"/>
-          </a:p>
-          <a:p>
-            <a:pPr marL="0" indent="0">
-              <a:buNone/>
-            </a:pPr>
-            <a:endParaRPr lang="pt-BR" dirty="0"/>
-          </a:p>
-          <a:p>
-            <a:pPr marL="0" indent="0">
-              <a:buNone/>
-            </a:pPr>
-            <a:r>
-              <a:rPr lang="pt-BR" sz="2400" dirty="0" smtClean="0"/>
+            <a:r>
+              <a:rPr lang="pt-BR" sz="2400" dirty="0"/>
               <a:t>Portfolio disponível em: http://binarii.com.br/</a:t>
             </a:r>
           </a:p>
@@ -3201,13 +3199,6 @@
   <p:clrMapOvr>
     <a:masterClrMapping/>
   </p:clrMapOvr>
-  <p:timing>
-    <p:tnLst>
-      <p:par>
-        <p:cTn id="1" dur="indefinite" restart="never" nodeType="tmRoot"/>
-      </p:par>
-    </p:tnLst>
-  </p:timing>
 </p:sld>
 </file>
 
@@ -3244,7 +3235,7 @@
           <a:lstStyle/>
           <a:p>
             <a:r>
-              <a:rPr lang="pt-BR" dirty="0" smtClean="0">
+              <a:rPr lang="pt-BR" dirty="0">
                 <a:solidFill>
                   <a:srgbClr val="0064AA"/>
                 </a:solidFill>
@@ -3252,18 +3243,13 @@
               <a:t>Tema: </a:t>
             </a:r>
             <a:r>
-              <a:rPr lang="pt-BR" dirty="0" smtClean="0">
+              <a:rPr lang="pt-BR" dirty="0">
                 <a:solidFill>
                   <a:srgbClr val="C00000"/>
                 </a:solidFill>
               </a:rPr>
               <a:t>Trabalho</a:t>
             </a:r>
-            <a:endParaRPr lang="pt-BR" dirty="0">
-              <a:solidFill>
-                <a:srgbClr val="C00000"/>
-              </a:solidFill>
-            </a:endParaRPr>
           </a:p>
         </p:txBody>
       </p:sp>
@@ -3290,7 +3276,7 @@
               </a:lnSpc>
             </a:pPr>
             <a:r>
-              <a:rPr lang="pt-BR" sz="2400" dirty="0" smtClean="0"/>
+              <a:rPr lang="pt-BR" sz="2400" dirty="0"/>
               <a:t>Objetivo: tornar o processo de seleção de candidatos para entrevista mais eficaz criando uma aplicação de fácil utilização para os usuários. Melhorando a experiência de usuário tanto para o empregador quanto para o candidato.</a:t>
             </a:r>
           </a:p>
@@ -3300,7 +3286,7 @@
                 <a:spcPts val="2640"/>
               </a:lnSpc>
             </a:pPr>
-            <a:endParaRPr lang="pt-BR" sz="2400" dirty="0" smtClean="0"/>
+            <a:endParaRPr lang="pt-BR" sz="2400" dirty="0"/>
           </a:p>
           <a:p>
             <a:pPr algn="just">
@@ -3309,18 +3295,9 @@
               </a:lnSpc>
             </a:pPr>
             <a:r>
-              <a:rPr lang="pt-BR" sz="2400" dirty="0" smtClean="0"/>
-              <a:t>Conceito: Para que a vaga de emprego seja preenchida, é necessário que o candidato à mesma contenha as competências necessárias para o trabalho. Então, não deve ser permitido a indicação de um trabalhador para uma entrevista que ele não tem chances de ter </a:t>
-            </a:r>
-            <a:r>
-              <a:rPr lang="pt-BR" sz="2400" dirty="0" err="1" smtClean="0"/>
-              <a:t>exito</a:t>
-            </a:r>
-            <a:r>
-              <a:rPr lang="pt-BR" sz="2400" dirty="0" smtClean="0"/>
-              <a:t>. O  aplicativo Bahia Empregos, visa otimizar o contato de candidatos e empresas para a criação de vínculos empregatícios de forma fácil, ágil e eficiente. Permitindo ao empregador, a abertura de vagas bem detalhadas, e permitindo aos candidatos enriquecer os seus currículos com informações de relevância, como certificados e experiências profissionais.</a:t>
-            </a:r>
-            <a:endParaRPr lang="pt-BR" sz="2400" dirty="0"/>
+              <a:rPr lang="pt-BR" sz="2400" dirty="0"/>
+              <a:t>Conceito: Para que a vaga de emprego seja preenchida, é necessário que o candidato à mesma contenha as competências necessárias para o trabalho. Então, não deve ser permitido a indicação de um trabalhador para uma entrevista que ele não tem chances de ter êxito. O  aplicativo Bahia Empregos, visa otimizar o contato de candidatos e empresas para a criação de vínculos empregatícios de forma fácil, ágil e eficiente. Permitindo ao empregador, a abertura de vagas bem detalhadas, e permitindo aos candidatos enriquecer os seus currículos com informações de relevância, como certificados e experiências profissionais.</a:t>
+            </a:r>
           </a:p>
         </p:txBody>
       </p:sp>
@@ -3334,13 +3311,6 @@
   <p:clrMapOvr>
     <a:masterClrMapping/>
   </p:clrMapOvr>
-  <p:timing>
-    <p:tnLst>
-      <p:par>
-        <p:cTn id="1" dur="indefinite" restart="never" nodeType="tmRoot"/>
-      </p:par>
-    </p:tnLst>
-  </p:timing>
 </p:sld>
 </file>
 
@@ -3377,7 +3347,7 @@
           <a:lstStyle/>
           <a:p>
             <a:r>
-              <a:rPr lang="pt-BR" dirty="0" smtClean="0">
+              <a:rPr lang="pt-BR" dirty="0">
                 <a:solidFill>
                   <a:srgbClr val="0064AA"/>
                 </a:solidFill>
@@ -3385,18 +3355,13 @@
               <a:t>Funç</a:t>
             </a:r>
             <a:r>
-              <a:rPr lang="pt-BR" dirty="0" smtClean="0">
+              <a:rPr lang="pt-BR" dirty="0">
                 <a:solidFill>
                   <a:srgbClr val="E60004"/>
                 </a:solidFill>
               </a:rPr>
               <a:t>ões</a:t>
             </a:r>
-            <a:endParaRPr lang="pt-BR" dirty="0">
-              <a:solidFill>
-                <a:srgbClr val="E60004"/>
-              </a:solidFill>
-            </a:endParaRPr>
           </a:p>
         </p:txBody>
       </p:sp>
@@ -3427,7 +3392,7 @@
               <a:buNone/>
             </a:pPr>
             <a:r>
-              <a:rPr lang="pt-BR" sz="2400" dirty="0" smtClean="0"/>
+              <a:rPr lang="pt-BR" sz="2400" dirty="0"/>
               <a:t>Recursos utilizados para o desenvolvimento.</a:t>
             </a:r>
           </a:p>
@@ -3438,7 +3403,7 @@
               </a:lnSpc>
             </a:pPr>
             <a:r>
-              <a:rPr lang="pt-BR" dirty="0" smtClean="0"/>
+              <a:rPr lang="pt-BR" dirty="0"/>
               <a:t>IONIC 3</a:t>
             </a:r>
           </a:p>
@@ -3449,10 +3414,10 @@
               </a:lnSpc>
             </a:pPr>
             <a:r>
-              <a:rPr lang="pt-BR" dirty="0" err="1" smtClean="0"/>
+              <a:rPr lang="pt-BR" dirty="0" err="1"/>
               <a:t>Firebase</a:t>
             </a:r>
-            <a:endParaRPr lang="pt-BR" dirty="0" smtClean="0"/>
+            <a:endParaRPr lang="pt-BR" dirty="0"/>
           </a:p>
           <a:p>
             <a:pPr marL="457200" lvl="1" indent="0" algn="just">
@@ -3471,50 +3436,41 @@
               <a:buNone/>
             </a:pPr>
             <a:r>
-              <a:rPr lang="pt-BR" dirty="0" smtClean="0"/>
+              <a:rPr lang="pt-BR" dirty="0"/>
               <a:t>O aplicativo será desenvolvido sob o framework IONIC, que utiliza </a:t>
             </a:r>
             <a:r>
-              <a:rPr lang="pt-BR" dirty="0" err="1" smtClean="0"/>
+              <a:rPr lang="pt-BR" dirty="0" err="1"/>
               <a:t>html</a:t>
             </a:r>
             <a:r>
-              <a:rPr lang="pt-BR" dirty="0" smtClean="0"/>
+              <a:rPr lang="pt-BR" dirty="0"/>
               <a:t>, </a:t>
             </a:r>
             <a:r>
-              <a:rPr lang="pt-BR" dirty="0" err="1" smtClean="0"/>
+              <a:rPr lang="pt-BR" dirty="0" err="1"/>
               <a:t>typescript</a:t>
             </a:r>
             <a:r>
-              <a:rPr lang="pt-BR" dirty="0" smtClean="0"/>
+              <a:rPr lang="pt-BR" dirty="0"/>
               <a:t> e </a:t>
             </a:r>
             <a:r>
-              <a:rPr lang="pt-BR" dirty="0" err="1" smtClean="0"/>
+              <a:rPr lang="pt-BR" dirty="0" err="1"/>
               <a:t>css</a:t>
             </a:r>
             <a:r>
-              <a:rPr lang="pt-BR" dirty="0" smtClean="0"/>
+              <a:rPr lang="pt-BR" dirty="0"/>
               <a:t>,  proporcionando a execução do aplicativo em uma web </a:t>
             </a:r>
             <a:r>
-              <a:rPr lang="pt-BR" dirty="0" err="1" smtClean="0"/>
+              <a:rPr lang="pt-BR" dirty="0" err="1"/>
               <a:t>view</a:t>
             </a:r>
             <a:r>
-              <a:rPr lang="pt-BR" dirty="0" smtClean="0"/>
-              <a:t>, funcionando em dispositivos </a:t>
-            </a:r>
-            <a:r>
-              <a:rPr lang="pt-BR" dirty="0" err="1" smtClean="0"/>
-              <a:t>android</a:t>
-            </a:r>
-            <a:r>
-              <a:rPr lang="pt-BR" dirty="0" smtClean="0"/>
-              <a:t> e IOS e terá seus dados armazenados no banco de dados FIREBASE.</a:t>
-            </a:r>
-            <a:endParaRPr lang="pt-BR" dirty="0"/>
+              <a:rPr lang="pt-BR" dirty="0"/>
+              <a:t>, funcionando em dispositivos Android e IOS e terá seus dados armazenados no banco de dados FIREBASE.</a:t>
+            </a:r>
           </a:p>
         </p:txBody>
       </p:sp>
@@ -3528,13 +3484,6 @@
   <p:clrMapOvr>
     <a:masterClrMapping/>
   </p:clrMapOvr>
-  <p:timing>
-    <p:tnLst>
-      <p:par>
-        <p:cTn id="1" dur="indefinite" restart="never" nodeType="tmRoot"/>
-      </p:par>
-    </p:tnLst>
-  </p:timing>
 </p:sld>
 </file>
 
@@ -3571,7 +3520,409 @@
           <a:lstStyle/>
           <a:p>
             <a:r>
-              <a:rPr lang="pt-BR" dirty="0" smtClean="0">
+              <a:rPr lang="pt-BR" dirty="0">
+                <a:solidFill>
+                  <a:srgbClr val="0064AA"/>
+                </a:solidFill>
+              </a:rPr>
+              <a:t>Funç</a:t>
+            </a:r>
+            <a:r>
+              <a:rPr lang="pt-BR" dirty="0">
+                <a:solidFill>
+                  <a:srgbClr val="E60004"/>
+                </a:solidFill>
+              </a:rPr>
+              <a:t>ões</a:t>
+            </a:r>
+          </a:p>
+        </p:txBody>
+      </p:sp>
+      <p:sp>
+        <p:nvSpPr>
+          <p:cNvPr id="3" name="Espaço Reservado para Conteúdo 2"/>
+          <p:cNvSpPr>
+            <a:spLocks noGrp="1"/>
+          </p:cNvSpPr>
+          <p:nvPr>
+            <p:ph idx="1"/>
+          </p:nvPr>
+        </p:nvSpPr>
+        <p:spPr>
+          <a:xfrm>
+            <a:off x="838200" y="1825625"/>
+            <a:ext cx="5472545" cy="4351338"/>
+          </a:xfrm>
+        </p:spPr>
+        <p:txBody>
+          <a:bodyPr/>
+          <a:lstStyle/>
+          <a:p>
+            <a:pPr marL="0" indent="0" algn="just">
+              <a:lnSpc>
+                <a:spcPts val="2880"/>
+              </a:lnSpc>
+              <a:buNone/>
+            </a:pPr>
+            <a:r>
+              <a:rPr lang="pt-BR" sz="2400" dirty="0"/>
+              <a:t>Candidato:</a:t>
+            </a:r>
+          </a:p>
+          <a:p>
+            <a:pPr lvl="1" algn="just">
+              <a:lnSpc>
+                <a:spcPts val="2880"/>
+              </a:lnSpc>
+            </a:pPr>
+            <a:r>
+              <a:rPr lang="pt-BR" dirty="0"/>
+              <a:t>Formulário completo e flexível</a:t>
+            </a:r>
+          </a:p>
+          <a:p>
+            <a:pPr lvl="1" algn="just">
+              <a:lnSpc>
+                <a:spcPts val="2880"/>
+              </a:lnSpc>
+            </a:pPr>
+            <a:r>
+              <a:rPr lang="pt-BR" dirty="0"/>
+              <a:t>Busca por vagas com base no perfil</a:t>
+            </a:r>
+          </a:p>
+          <a:p>
+            <a:pPr lvl="1" algn="just">
+              <a:lnSpc>
+                <a:spcPts val="2880"/>
+              </a:lnSpc>
+            </a:pPr>
+            <a:r>
+              <a:rPr lang="pt-BR" dirty="0"/>
+              <a:t>Candidatar-se a entrevista</a:t>
+            </a:r>
+          </a:p>
+          <a:p>
+            <a:pPr lvl="1" algn="just">
+              <a:lnSpc>
+                <a:spcPts val="2880"/>
+              </a:lnSpc>
+            </a:pPr>
+            <a:r>
+              <a:rPr lang="pt-BR" dirty="0"/>
+              <a:t>Cancelar entrevista</a:t>
+            </a:r>
+          </a:p>
+          <a:p>
+            <a:pPr lvl="1" algn="just">
+              <a:lnSpc>
+                <a:spcPts val="2880"/>
+              </a:lnSpc>
+            </a:pPr>
+            <a:r>
+              <a:rPr lang="pt-BR" dirty="0"/>
+              <a:t>Gerenciar Entrevistas (agenda)</a:t>
+            </a:r>
+          </a:p>
+          <a:p>
+            <a:pPr lvl="1" algn="just">
+              <a:lnSpc>
+                <a:spcPts val="2880"/>
+              </a:lnSpc>
+            </a:pPr>
+            <a:r>
+              <a:rPr lang="pt-BR" dirty="0"/>
+              <a:t>Limite máximo de 10 entrevistas (acúmulo)</a:t>
+            </a:r>
+          </a:p>
+        </p:txBody>
+      </p:sp>
+      <p:sp>
+        <p:nvSpPr>
+          <p:cNvPr id="4" name="Espaço Reservado para Conteúdo 2">
+            <a:extLst>
+              <a:ext uri="{FF2B5EF4-FFF2-40B4-BE49-F238E27FC236}">
+                <a16:creationId xmlns:a16="http://schemas.microsoft.com/office/drawing/2014/main" id="{826ACDDF-85B3-4026-AAE9-8070B6D469A5}"/>
+              </a:ext>
+            </a:extLst>
+          </p:cNvPr>
+          <p:cNvSpPr txBox="1">
+            <a:spLocks/>
+          </p:cNvSpPr>
+          <p:nvPr/>
+        </p:nvSpPr>
+        <p:spPr>
+          <a:xfrm>
+            <a:off x="6310745" y="1825625"/>
+            <a:ext cx="5279967" cy="4351338"/>
+          </a:xfrm>
+          <a:prstGeom prst="rect">
+            <a:avLst/>
+          </a:prstGeom>
+        </p:spPr>
+        <p:txBody>
+          <a:bodyPr vert="horz" lIns="91440" tIns="45720" rIns="91440" bIns="45720" rtlCol="0">
+            <a:normAutofit/>
+          </a:bodyPr>
+          <a:lstStyle>
+            <a:lvl1pPr marL="228600" indent="-228600" algn="l" defTabSz="914400" rtl="0" eaLnBrk="1" latinLnBrk="0" hangingPunct="1">
+              <a:lnSpc>
+                <a:spcPct val="90000"/>
+              </a:lnSpc>
+              <a:spcBef>
+                <a:spcPts val="1000"/>
+              </a:spcBef>
+              <a:buFont typeface="Arial" panose="020B0604020202020204" pitchFamily="34" charset="0"/>
+              <a:buChar char="•"/>
+              <a:defRPr sz="2800" kern="1200">
+                <a:solidFill>
+                  <a:schemeClr val="tx1"/>
+                </a:solidFill>
+                <a:latin typeface="+mn-lt"/>
+                <a:ea typeface="+mn-ea"/>
+                <a:cs typeface="+mn-cs"/>
+              </a:defRPr>
+            </a:lvl1pPr>
+            <a:lvl2pPr marL="685800" indent="-228600" algn="l" defTabSz="914400" rtl="0" eaLnBrk="1" latinLnBrk="0" hangingPunct="1">
+              <a:lnSpc>
+                <a:spcPct val="90000"/>
+              </a:lnSpc>
+              <a:spcBef>
+                <a:spcPts val="500"/>
+              </a:spcBef>
+              <a:buFont typeface="Arial" panose="020B0604020202020204" pitchFamily="34" charset="0"/>
+              <a:buChar char="•"/>
+              <a:defRPr sz="2400" kern="1200">
+                <a:solidFill>
+                  <a:schemeClr val="tx1"/>
+                </a:solidFill>
+                <a:latin typeface="+mn-lt"/>
+                <a:ea typeface="+mn-ea"/>
+                <a:cs typeface="+mn-cs"/>
+              </a:defRPr>
+            </a:lvl2pPr>
+            <a:lvl3pPr marL="1143000" indent="-228600" algn="l" defTabSz="914400" rtl="0" eaLnBrk="1" latinLnBrk="0" hangingPunct="1">
+              <a:lnSpc>
+                <a:spcPct val="90000"/>
+              </a:lnSpc>
+              <a:spcBef>
+                <a:spcPts val="500"/>
+              </a:spcBef>
+              <a:buFont typeface="Arial" panose="020B0604020202020204" pitchFamily="34" charset="0"/>
+              <a:buChar char="•"/>
+              <a:defRPr sz="2000" kern="1200">
+                <a:solidFill>
+                  <a:schemeClr val="tx1"/>
+                </a:solidFill>
+                <a:latin typeface="+mn-lt"/>
+                <a:ea typeface="+mn-ea"/>
+                <a:cs typeface="+mn-cs"/>
+              </a:defRPr>
+            </a:lvl3pPr>
+            <a:lvl4pPr marL="1600200" indent="-228600" algn="l" defTabSz="914400" rtl="0" eaLnBrk="1" latinLnBrk="0" hangingPunct="1">
+              <a:lnSpc>
+                <a:spcPct val="90000"/>
+              </a:lnSpc>
+              <a:spcBef>
+                <a:spcPts val="500"/>
+              </a:spcBef>
+              <a:buFont typeface="Arial" panose="020B0604020202020204" pitchFamily="34" charset="0"/>
+              <a:buChar char="•"/>
+              <a:defRPr sz="1800" kern="1200">
+                <a:solidFill>
+                  <a:schemeClr val="tx1"/>
+                </a:solidFill>
+                <a:latin typeface="+mn-lt"/>
+                <a:ea typeface="+mn-ea"/>
+                <a:cs typeface="+mn-cs"/>
+              </a:defRPr>
+            </a:lvl4pPr>
+            <a:lvl5pPr marL="2057400" indent="-228600" algn="l" defTabSz="914400" rtl="0" eaLnBrk="1" latinLnBrk="0" hangingPunct="1">
+              <a:lnSpc>
+                <a:spcPct val="90000"/>
+              </a:lnSpc>
+              <a:spcBef>
+                <a:spcPts val="500"/>
+              </a:spcBef>
+              <a:buFont typeface="Arial" panose="020B0604020202020204" pitchFamily="34" charset="0"/>
+              <a:buChar char="•"/>
+              <a:defRPr sz="1800" kern="1200">
+                <a:solidFill>
+                  <a:schemeClr val="tx1"/>
+                </a:solidFill>
+                <a:latin typeface="+mn-lt"/>
+                <a:ea typeface="+mn-ea"/>
+                <a:cs typeface="+mn-cs"/>
+              </a:defRPr>
+            </a:lvl5pPr>
+            <a:lvl6pPr marL="2514600" indent="-228600" algn="l" defTabSz="914400" rtl="0" eaLnBrk="1" latinLnBrk="0" hangingPunct="1">
+              <a:lnSpc>
+                <a:spcPct val="90000"/>
+              </a:lnSpc>
+              <a:spcBef>
+                <a:spcPts val="500"/>
+              </a:spcBef>
+              <a:buFont typeface="Arial" panose="020B0604020202020204" pitchFamily="34" charset="0"/>
+              <a:buChar char="•"/>
+              <a:defRPr sz="1800" kern="1200">
+                <a:solidFill>
+                  <a:schemeClr val="tx1"/>
+                </a:solidFill>
+                <a:latin typeface="+mn-lt"/>
+                <a:ea typeface="+mn-ea"/>
+                <a:cs typeface="+mn-cs"/>
+              </a:defRPr>
+            </a:lvl6pPr>
+            <a:lvl7pPr marL="2971800" indent="-228600" algn="l" defTabSz="914400" rtl="0" eaLnBrk="1" latinLnBrk="0" hangingPunct="1">
+              <a:lnSpc>
+                <a:spcPct val="90000"/>
+              </a:lnSpc>
+              <a:spcBef>
+                <a:spcPts val="500"/>
+              </a:spcBef>
+              <a:buFont typeface="Arial" panose="020B0604020202020204" pitchFamily="34" charset="0"/>
+              <a:buChar char="•"/>
+              <a:defRPr sz="1800" kern="1200">
+                <a:solidFill>
+                  <a:schemeClr val="tx1"/>
+                </a:solidFill>
+                <a:latin typeface="+mn-lt"/>
+                <a:ea typeface="+mn-ea"/>
+                <a:cs typeface="+mn-cs"/>
+              </a:defRPr>
+            </a:lvl7pPr>
+            <a:lvl8pPr marL="3429000" indent="-228600" algn="l" defTabSz="914400" rtl="0" eaLnBrk="1" latinLnBrk="0" hangingPunct="1">
+              <a:lnSpc>
+                <a:spcPct val="90000"/>
+              </a:lnSpc>
+              <a:spcBef>
+                <a:spcPts val="500"/>
+              </a:spcBef>
+              <a:buFont typeface="Arial" panose="020B0604020202020204" pitchFamily="34" charset="0"/>
+              <a:buChar char="•"/>
+              <a:defRPr sz="1800" kern="1200">
+                <a:solidFill>
+                  <a:schemeClr val="tx1"/>
+                </a:solidFill>
+                <a:latin typeface="+mn-lt"/>
+                <a:ea typeface="+mn-ea"/>
+                <a:cs typeface="+mn-cs"/>
+              </a:defRPr>
+            </a:lvl8pPr>
+            <a:lvl9pPr marL="3886200" indent="-228600" algn="l" defTabSz="914400" rtl="0" eaLnBrk="1" latinLnBrk="0" hangingPunct="1">
+              <a:lnSpc>
+                <a:spcPct val="90000"/>
+              </a:lnSpc>
+              <a:spcBef>
+                <a:spcPts val="500"/>
+              </a:spcBef>
+              <a:buFont typeface="Arial" panose="020B0604020202020204" pitchFamily="34" charset="0"/>
+              <a:buChar char="•"/>
+              <a:defRPr sz="1800" kern="1200">
+                <a:solidFill>
+                  <a:schemeClr val="tx1"/>
+                </a:solidFill>
+                <a:latin typeface="+mn-lt"/>
+                <a:ea typeface="+mn-ea"/>
+                <a:cs typeface="+mn-cs"/>
+              </a:defRPr>
+            </a:lvl9pPr>
+          </a:lstStyle>
+          <a:p>
+            <a:pPr marL="0" indent="0" algn="just">
+              <a:lnSpc>
+                <a:spcPts val="2880"/>
+              </a:lnSpc>
+              <a:buFont typeface="Arial" panose="020B0604020202020204" pitchFamily="34" charset="0"/>
+              <a:buNone/>
+            </a:pPr>
+            <a:r>
+              <a:rPr lang="pt-BR" sz="2400" dirty="0"/>
+              <a:t>Empresa:</a:t>
+            </a:r>
+          </a:p>
+          <a:p>
+            <a:pPr lvl="1" algn="just">
+              <a:lnSpc>
+                <a:spcPts val="2880"/>
+              </a:lnSpc>
+            </a:pPr>
+            <a:r>
+              <a:rPr lang="pt-BR" dirty="0"/>
+              <a:t>Feedback após as entrevistas</a:t>
+            </a:r>
+          </a:p>
+          <a:p>
+            <a:pPr lvl="1" algn="just">
+              <a:lnSpc>
+                <a:spcPts val="2880"/>
+              </a:lnSpc>
+            </a:pPr>
+            <a:r>
+              <a:rPr lang="pt-BR" dirty="0"/>
+              <a:t>Acumulo máximo de 3 candidatos</a:t>
+            </a:r>
+          </a:p>
+          <a:p>
+            <a:pPr lvl="1" algn="just">
+              <a:lnSpc>
+                <a:spcPts val="2880"/>
+              </a:lnSpc>
+            </a:pPr>
+            <a:r>
+              <a:rPr lang="pt-BR" dirty="0"/>
+              <a:t>Recomendação de Funcionários</a:t>
+            </a:r>
+          </a:p>
+        </p:txBody>
+      </p:sp>
+    </p:spTree>
+    <p:extLst>
+      <p:ext uri="{BB962C8B-B14F-4D97-AF65-F5344CB8AC3E}">
+        <p14:creationId xmlns:p14="http://schemas.microsoft.com/office/powerpoint/2010/main" val="1132612467"/>
+      </p:ext>
+    </p:extLst>
+  </p:cSld>
+  <p:clrMapOvr>
+    <a:masterClrMapping/>
+  </p:clrMapOvr>
+</p:sld>
+</file>
+
+<file path=ppt/slides/slide6.xml><?xml version="1.0" encoding="utf-8"?>
+<p:sld xmlns:a="http://schemas.openxmlformats.org/drawingml/2006/main" xmlns:r="http://schemas.openxmlformats.org/officeDocument/2006/relationships" xmlns:p="http://schemas.openxmlformats.org/presentationml/2006/main">
+  <p:cSld>
+    <p:spTree>
+      <p:nvGrpSpPr>
+        <p:cNvPr id="1" name=""/>
+        <p:cNvGrpSpPr/>
+        <p:nvPr/>
+      </p:nvGrpSpPr>
+      <p:grpSpPr>
+        <a:xfrm>
+          <a:off x="0" y="0"/>
+          <a:ext cx="0" cy="0"/>
+          <a:chOff x="0" y="0"/>
+          <a:chExt cx="0" cy="0"/>
+        </a:xfrm>
+      </p:grpSpPr>
+      <p:sp>
+        <p:nvSpPr>
+          <p:cNvPr id="2" name="Título 1"/>
+          <p:cNvSpPr>
+            <a:spLocks noGrp="1"/>
+          </p:cNvSpPr>
+          <p:nvPr>
+            <p:ph type="title"/>
+          </p:nvPr>
+        </p:nvSpPr>
+        <p:spPr/>
+        <p:txBody>
+          <a:bodyPr/>
+          <a:lstStyle/>
+          <a:p>
+            <a:r>
+              <a:rPr lang="pt-BR" dirty="0">
                 <a:solidFill>
                   <a:srgbClr val="0064AA"/>
                 </a:solidFill>
@@ -3579,18 +3930,13 @@
               <a:t>Algumas </a:t>
             </a:r>
             <a:r>
-              <a:rPr lang="pt-BR" dirty="0" smtClean="0">
+              <a:rPr lang="pt-BR" dirty="0">
                 <a:solidFill>
                   <a:srgbClr val="E60004"/>
                 </a:solidFill>
               </a:rPr>
               <a:t>Telas</a:t>
             </a:r>
-            <a:endParaRPr lang="pt-BR" dirty="0">
-              <a:solidFill>
-                <a:srgbClr val="E60004"/>
-              </a:solidFill>
-            </a:endParaRPr>
           </a:p>
         </p:txBody>
       </p:sp>
@@ -3739,11 +4085,11 @@
           <a:lstStyle/>
           <a:p>
             <a:r>
-              <a:rPr lang="pt-BR" dirty="0" smtClean="0"/>
+              <a:rPr lang="pt-BR" dirty="0"/>
               <a:t>Tela de </a:t>
             </a:r>
             <a:r>
-              <a:rPr lang="pt-BR" dirty="0" err="1" smtClean="0"/>
+              <a:rPr lang="pt-BR" dirty="0" err="1"/>
               <a:t>login</a:t>
             </a:r>
             <a:endParaRPr lang="pt-BR" dirty="0"/>
@@ -3773,10 +4119,9 @@
           <a:lstStyle/>
           <a:p>
             <a:r>
-              <a:rPr lang="pt-BR" dirty="0" smtClean="0"/>
+              <a:rPr lang="pt-BR" dirty="0"/>
               <a:t>Tela inicial de um candidato</a:t>
             </a:r>
-            <a:endParaRPr lang="pt-BR" dirty="0"/>
           </a:p>
         </p:txBody>
       </p:sp>
@@ -3803,10 +4148,9 @@
           <a:lstStyle/>
           <a:p>
             <a:r>
-              <a:rPr lang="pt-BR" dirty="0" smtClean="0"/>
+              <a:rPr lang="pt-BR" dirty="0"/>
               <a:t>Perfil detalhado</a:t>
             </a:r>
-            <a:endParaRPr lang="pt-BR" dirty="0"/>
           </a:p>
         </p:txBody>
       </p:sp>
@@ -3850,13 +4194,6 @@
   <p:clrMapOvr>
     <a:masterClrMapping/>
   </p:clrMapOvr>
-  <p:timing>
-    <p:tnLst>
-      <p:par>
-        <p:cTn id="1" dur="indefinite" restart="never" nodeType="tmRoot"/>
-      </p:par>
-    </p:tnLst>
-  </p:timing>
 </p:sld>
 </file>
 
